--- a/8-msa/3. 인증, 세션, 권한 허가.pptx
+++ b/8-msa/3. 인증, 세션, 권한 허가.pptx
@@ -3376,7 +3376,7 @@
         </p:nvGrpSpPr>
         <p:grpSpPr>
           <a:xfrm>
-            <a:off x="5839535" y="1238176"/>
+            <a:off x="5867166" y="1277546"/>
             <a:ext cx="2481570" cy="654145"/>
             <a:chOff x="3511204" y="2640320"/>
             <a:chExt cx="2481570" cy="654145"/>
@@ -3660,7 +3660,7 @@
         </p:blipFill>
         <p:spPr bwMode="auto">
           <a:xfrm>
-            <a:off x="5285365" y="1272829"/>
+            <a:off x="5330558" y="1202510"/>
             <a:ext cx="330200" cy="330200"/>
           </a:xfrm>
           <a:prstGeom prst="rect">
@@ -3705,8 +3705,8 @@
         </p:nvSpPr>
         <p:spPr>
           <a:xfrm>
-            <a:off x="5282971" y="1282746"/>
-            <a:ext cx="4655355" cy="1737545"/>
+            <a:off x="5319917" y="1196601"/>
+            <a:ext cx="4655355" cy="2365014"/>
           </a:xfrm>
           <a:prstGeom prst="rect">
             <a:avLst/>
@@ -3896,7 +3896,7 @@
         </p:nvGrpSpPr>
         <p:grpSpPr>
           <a:xfrm>
-            <a:off x="5615565" y="1772916"/>
+            <a:off x="5652511" y="2411996"/>
             <a:ext cx="1231449" cy="1045707"/>
             <a:chOff x="6788052" y="1646403"/>
             <a:chExt cx="1231449" cy="1045707"/>
@@ -4152,7 +4152,7 @@
         </p:nvGrpSpPr>
         <p:grpSpPr>
           <a:xfrm>
-            <a:off x="1690255" y="1814342"/>
+            <a:off x="1727201" y="1352524"/>
             <a:ext cx="1037405" cy="800178"/>
             <a:chOff x="34147" y="3513833"/>
             <a:chExt cx="1037405" cy="800178"/>
@@ -4491,7 +4491,7 @@
         </p:nvCxnSpPr>
         <p:spPr>
           <a:xfrm>
-            <a:off x="2907978" y="2129662"/>
+            <a:off x="2944924" y="1667844"/>
             <a:ext cx="1931877" cy="0"/>
           </a:xfrm>
           <a:prstGeom prst="straightConnector1">
@@ -4530,7 +4530,7 @@
         </p:nvSpPr>
         <p:spPr>
           <a:xfrm>
-            <a:off x="5282972" y="3510462"/>
+            <a:off x="5319917" y="3926099"/>
             <a:ext cx="4655355" cy="1190848"/>
           </a:xfrm>
           <a:prstGeom prst="rect">
@@ -4730,7 +4730,7 @@
         </p:blipFill>
         <p:spPr bwMode="auto">
           <a:xfrm>
-            <a:off x="5865482" y="3565852"/>
+            <a:off x="5902427" y="3981489"/>
             <a:ext cx="438825" cy="438825"/>
           </a:xfrm>
           <a:prstGeom prst="rect">
@@ -4777,7 +4777,7 @@
         </p:blipFill>
         <p:spPr bwMode="auto">
           <a:xfrm>
-            <a:off x="5293613" y="3538701"/>
+            <a:off x="5330558" y="3954338"/>
             <a:ext cx="324347" cy="332499"/>
           </a:xfrm>
           <a:prstGeom prst="rect">
@@ -4824,7 +4824,7 @@
         </p:nvSpPr>
         <p:spPr bwMode="auto">
           <a:xfrm>
-            <a:off x="5227784" y="4031588"/>
+            <a:off x="5264729" y="4447225"/>
             <a:ext cx="1574893" cy="276999"/>
           </a:xfrm>
           <a:prstGeom prst="rect">
@@ -5039,7 +5039,7 @@
         </p:nvSpPr>
         <p:spPr>
           <a:xfrm>
-            <a:off x="3057161" y="1753822"/>
+            <a:off x="3094107" y="1292004"/>
             <a:ext cx="1689886" cy="276999"/>
           </a:xfrm>
           <a:prstGeom prst="rect">
@@ -5077,8 +5077,8 @@
         </p:nvSpPr>
         <p:spPr>
           <a:xfrm>
-            <a:off x="6802677" y="3777760"/>
-            <a:ext cx="4010527" cy="738664"/>
+            <a:off x="6736607" y="4200901"/>
+            <a:ext cx="3486187" cy="738664"/>
           </a:xfrm>
           <a:prstGeom prst="rect">
             <a:avLst/>
@@ -5119,7 +5119,15 @@
               <a:t>passwd</a:t>
             </a:r>
             <a:r>
-              <a:rPr lang="en-US" altLang="ko-KR" sz="1400" dirty="0"/>
+              <a:rPr lang="en-US" altLang="ko-KR" sz="1400" dirty="0" smtClean="0"/>
+              <a:t>, </a:t>
+            </a:r>
+            <a:r>
+              <a:rPr lang="en-US" altLang="ko-KR" sz="1400" dirty="0" err="1" smtClean="0"/>
+              <a:t>sessionId</a:t>
+            </a:r>
+            <a:r>
+              <a:rPr lang="en-US" altLang="ko-KR" sz="1400" dirty="0" smtClean="0"/>
               <a:t>)</a:t>
             </a:r>
             <a:endParaRPr lang="en-US" altLang="ko-KR" sz="1400" dirty="0" smtClean="0"/>
@@ -5153,7 +5161,7 @@
         </p:nvGrpSpPr>
         <p:grpSpPr>
           <a:xfrm>
-            <a:off x="7365940" y="2350177"/>
+            <a:off x="6931987" y="3001086"/>
             <a:ext cx="1024378" cy="969097"/>
             <a:chOff x="7296727" y="2337096"/>
             <a:chExt cx="1024378" cy="969097"/>
@@ -5238,7 +5246,7 @@
         </p:nvSpPr>
         <p:spPr>
           <a:xfrm>
-            <a:off x="7060116" y="1998474"/>
+            <a:off x="6814484" y="2521252"/>
             <a:ext cx="2476960" cy="276999"/>
           </a:xfrm>
           <a:prstGeom prst="rect">
@@ -5259,6 +5267,75 @@
             <a:r>
               <a:rPr lang="ko-KR" altLang="en-US" sz="1200" dirty="0" smtClean="0"/>
               <a:t>인증 정보 및 사용자 정보 생성</a:t>
+            </a:r>
+            <a:endParaRPr lang="ko-KR" altLang="en-US" sz="1200" dirty="0"/>
+          </a:p>
+        </p:txBody>
+      </p:sp>
+      <p:cxnSp>
+        <p:nvCxnSpPr>
+          <p:cNvPr id="27" name="직선 화살표 연결선 26"/>
+          <p:cNvCxnSpPr/>
+          <p:nvPr/>
+        </p:nvCxnSpPr>
+        <p:spPr>
+          <a:xfrm flipH="1">
+            <a:off x="6207938" y="1979592"/>
+            <a:ext cx="1" cy="633147"/>
+          </a:xfrm>
+          <a:prstGeom prst="straightConnector1">
+            <a:avLst/>
+          </a:prstGeom>
+          <a:ln w="25400">
+            <a:tailEnd type="triangle"/>
+          </a:ln>
+        </p:spPr>
+        <p:style>
+          <a:lnRef idx="1">
+            <a:schemeClr val="dk1"/>
+          </a:lnRef>
+          <a:fillRef idx="0">
+            <a:schemeClr val="dk1"/>
+          </a:fillRef>
+          <a:effectRef idx="0">
+            <a:schemeClr val="dk1"/>
+          </a:effectRef>
+          <a:fontRef idx="minor">
+            <a:schemeClr val="tx1"/>
+          </a:fontRef>
+        </p:style>
+      </p:cxnSp>
+      <p:sp>
+        <p:nvSpPr>
+          <p:cNvPr id="31" name="TextBox 30">
+            <a:extLst>
+              <a:ext uri="{FF2B5EF4-FFF2-40B4-BE49-F238E27FC236}">
+                <a16:creationId xmlns:a16="http://schemas.microsoft.com/office/drawing/2014/main" id="{ABBD6795-F75F-4C5F-AB9F-1DC775B44A69}"/>
+              </a:ext>
+            </a:extLst>
+          </p:cNvPr>
+          <p:cNvSpPr txBox="1"/>
+          <p:nvPr/>
+        </p:nvSpPr>
+        <p:spPr>
+          <a:xfrm>
+            <a:off x="5347640" y="2130038"/>
+            <a:ext cx="851452" cy="276999"/>
+          </a:xfrm>
+          <a:prstGeom prst="rect">
+            <a:avLst/>
+          </a:prstGeom>
+          <a:noFill/>
+        </p:spPr>
+        <p:txBody>
+          <a:bodyPr wrap="none" rtlCol="0">
+            <a:spAutoFit/>
+          </a:bodyPr>
+          <a:lstStyle/>
+          <a:p>
+            <a:r>
+              <a:rPr lang="en-US" altLang="ko-KR" sz="1200" dirty="0"/>
+              <a:t>ROUTING</a:t>
             </a:r>
             <a:endParaRPr lang="ko-KR" altLang="en-US" sz="1200" dirty="0"/>
           </a:p>
@@ -5676,7 +5753,7 @@
         <p:spPr>
           <a:xfrm>
             <a:off x="5282971" y="1282746"/>
-            <a:ext cx="5117174" cy="1737545"/>
+            <a:ext cx="5117174" cy="2422431"/>
           </a:xfrm>
           <a:prstGeom prst="rect">
             <a:avLst/>
@@ -5866,7 +5943,7 @@
         </p:nvGrpSpPr>
         <p:grpSpPr>
           <a:xfrm>
-            <a:off x="5615565" y="1772916"/>
+            <a:off x="5645144" y="2515124"/>
             <a:ext cx="1231449" cy="1045707"/>
             <a:chOff x="6788052" y="1646403"/>
             <a:chExt cx="1231449" cy="1045707"/>
@@ -6122,7 +6199,7 @@
         </p:nvGrpSpPr>
         <p:grpSpPr>
           <a:xfrm>
-            <a:off x="1690255" y="1814342"/>
+            <a:off x="1647329" y="1329860"/>
             <a:ext cx="1037405" cy="800178"/>
             <a:chOff x="34147" y="3513833"/>
             <a:chExt cx="1037405" cy="800178"/>
@@ -6461,7 +6538,7 @@
         </p:nvCxnSpPr>
         <p:spPr>
           <a:xfrm>
-            <a:off x="2907978" y="2129662"/>
+            <a:off x="2865052" y="1645180"/>
             <a:ext cx="1931877" cy="0"/>
           </a:xfrm>
           <a:prstGeom prst="straightConnector1">
@@ -6500,8 +6577,8 @@
         </p:nvSpPr>
         <p:spPr>
           <a:xfrm>
-            <a:off x="5282971" y="4256999"/>
-            <a:ext cx="4655355" cy="1190848"/>
+            <a:off x="5282971" y="5014468"/>
+            <a:ext cx="5117174" cy="1190848"/>
           </a:xfrm>
           <a:prstGeom prst="rect">
             <a:avLst/>
@@ -6700,7 +6777,7 @@
         </p:blipFill>
         <p:spPr bwMode="auto">
           <a:xfrm>
-            <a:off x="5865481" y="4312389"/>
+            <a:off x="5865481" y="5069858"/>
             <a:ext cx="438825" cy="438825"/>
           </a:xfrm>
           <a:prstGeom prst="rect">
@@ -6747,7 +6824,7 @@
         </p:blipFill>
         <p:spPr bwMode="auto">
           <a:xfrm>
-            <a:off x="5293612" y="4285238"/>
+            <a:off x="5293612" y="5042707"/>
             <a:ext cx="324347" cy="332499"/>
           </a:xfrm>
           <a:prstGeom prst="rect">
@@ -6794,7 +6871,7 @@
         </p:nvSpPr>
         <p:spPr bwMode="auto">
           <a:xfrm>
-            <a:off x="5227783" y="4778125"/>
+            <a:off x="5227783" y="5535594"/>
             <a:ext cx="1574893" cy="276999"/>
           </a:xfrm>
           <a:prstGeom prst="rect">
@@ -7009,7 +7086,7 @@
         </p:nvSpPr>
         <p:spPr>
           <a:xfrm>
-            <a:off x="3057161" y="1753822"/>
+            <a:off x="3014235" y="1269340"/>
             <a:ext cx="1635384" cy="276999"/>
           </a:xfrm>
           <a:prstGeom prst="rect">
@@ -7051,8 +7128,8 @@
         </p:nvSpPr>
         <p:spPr>
           <a:xfrm>
-            <a:off x="6802676" y="4524297"/>
-            <a:ext cx="4010527" cy="738664"/>
+            <a:off x="7075147" y="5284875"/>
+            <a:ext cx="3380185" cy="738664"/>
           </a:xfrm>
           <a:prstGeom prst="rect">
             <a:avLst/>
@@ -7093,7 +7170,15 @@
               <a:t>passwd</a:t>
             </a:r>
             <a:r>
-              <a:rPr lang="en-US" altLang="ko-KR" sz="1400" dirty="0"/>
+              <a:rPr lang="en-US" altLang="ko-KR" sz="1400" dirty="0" smtClean="0"/>
+              <a:t>, </a:t>
+            </a:r>
+            <a:r>
+              <a:rPr lang="en-US" altLang="ko-KR" sz="1400" dirty="0" err="1" smtClean="0"/>
+              <a:t>sessionId</a:t>
+            </a:r>
+            <a:r>
+              <a:rPr lang="en-US" altLang="ko-KR" sz="1400" dirty="0" smtClean="0"/>
               <a:t>)</a:t>
             </a:r>
             <a:endParaRPr lang="en-US" altLang="ko-KR" sz="1400" dirty="0" smtClean="0"/>
@@ -7127,7 +7212,7 @@
         </p:nvCxnSpPr>
         <p:spPr>
           <a:xfrm>
-            <a:off x="6015229" y="3111917"/>
+            <a:off x="5714957" y="3871836"/>
             <a:ext cx="0" cy="969097"/>
           </a:xfrm>
           <a:prstGeom prst="straightConnector1">
@@ -7166,7 +7251,7 @@
         </p:nvSpPr>
         <p:spPr>
           <a:xfrm>
-            <a:off x="4625105" y="3519855"/>
+            <a:off x="4330888" y="4243153"/>
             <a:ext cx="1390124" cy="461665"/>
           </a:xfrm>
           <a:prstGeom prst="rect">
@@ -7220,7 +7305,7 @@
         </p:nvGrpSpPr>
         <p:grpSpPr>
           <a:xfrm>
-            <a:off x="8782719" y="1826420"/>
+            <a:off x="8738381" y="2588313"/>
             <a:ext cx="1803419" cy="833997"/>
             <a:chOff x="7881924" y="3158310"/>
             <a:chExt cx="1803419" cy="833997"/>
@@ -7478,7 +7563,7 @@
         </p:nvCxnSpPr>
         <p:spPr>
           <a:xfrm>
-            <a:off x="6876062" y="2428495"/>
+            <a:off x="6831724" y="3190388"/>
             <a:ext cx="1931877" cy="0"/>
           </a:xfrm>
           <a:prstGeom prst="straightConnector1">
@@ -7517,8 +7602,8 @@
         </p:nvSpPr>
         <p:spPr>
           <a:xfrm>
-            <a:off x="6521082" y="3510461"/>
-            <a:ext cx="1544012" cy="461665"/>
+            <a:off x="6086954" y="4150821"/>
+            <a:ext cx="1579278" cy="646331"/>
           </a:xfrm>
           <a:prstGeom prst="rect">
             <a:avLst/>
@@ -7541,18 +7626,36 @@
             </a:r>
             <a:r>
               <a:rPr lang="ko-KR" altLang="en-US" sz="1200" dirty="0" smtClean="0"/>
-              <a:t>사용자 정보 조회</a:t>
+              <a:t>기존 </a:t>
+            </a:r>
+            <a:r>
+              <a:rPr lang="en-US" altLang="ko-KR" sz="1200" dirty="0" err="1" smtClean="0"/>
+              <a:t>sessionId</a:t>
+            </a:r>
+            <a:r>
+              <a:rPr lang="en-US" altLang="ko-KR" sz="1200" dirty="0" smtClean="0"/>
+              <a:t> </a:t>
+            </a:r>
+          </a:p>
+          <a:p>
+            <a:r>
+              <a:rPr lang="ko-KR" altLang="en-US" sz="1200" dirty="0" smtClean="0"/>
+              <a:t>및 </a:t>
+            </a:r>
+            <a:r>
+              <a:rPr lang="ko-KR" altLang="en-US" sz="1200" dirty="0" smtClean="0"/>
+              <a:t>사용자 </a:t>
+            </a:r>
+            <a:r>
+              <a:rPr lang="ko-KR" altLang="en-US" sz="1200" dirty="0" smtClean="0"/>
+              <a:t>정보 조회</a:t>
             </a:r>
             <a:endParaRPr lang="en-US" altLang="ko-KR" sz="1200" dirty="0" smtClean="0"/>
           </a:p>
           <a:p>
             <a:r>
               <a:rPr lang="en-US" altLang="ko-KR" sz="1200" dirty="0" smtClean="0"/>
-              <a:t>(</a:t>
-            </a:r>
-            <a:r>
-              <a:rPr lang="en-US" altLang="ko-KR" sz="1200" dirty="0" smtClean="0"/>
-              <a:t>profile</a:t>
+              <a:t>(profile</a:t>
             </a:r>
             <a:r>
               <a:rPr lang="ko-KR" altLang="en-US" sz="1200" dirty="0" smtClean="0"/>
@@ -7574,7 +7677,7 @@
         </p:nvCxnSpPr>
         <p:spPr>
           <a:xfrm flipV="1">
-            <a:off x="6375118" y="3047202"/>
+            <a:off x="6074846" y="3807121"/>
             <a:ext cx="0" cy="1019060"/>
           </a:xfrm>
           <a:prstGeom prst="straightConnector1">
@@ -7613,8 +7716,8 @@
         </p:nvSpPr>
         <p:spPr>
           <a:xfrm>
-            <a:off x="7131044" y="1923528"/>
-            <a:ext cx="2281394" cy="461665"/>
+            <a:off x="6767629" y="2459220"/>
+            <a:ext cx="1697901" cy="276999"/>
           </a:xfrm>
           <a:prstGeom prst="rect">
             <a:avLst/>
@@ -7630,6 +7733,216 @@
             <a:r>
               <a:rPr lang="en-US" altLang="ko-KR" sz="1200" dirty="0" smtClean="0"/>
               <a:t>4. </a:t>
+            </a:r>
+            <a:r>
+              <a:rPr lang="ko-KR" altLang="en-US" sz="1200" dirty="0" smtClean="0"/>
+              <a:t>기존 </a:t>
+            </a:r>
+            <a:r>
+              <a:rPr lang="ko-KR" altLang="en-US" sz="1200" dirty="0" err="1" smtClean="0"/>
+              <a:t>세션정보</a:t>
+            </a:r>
+            <a:r>
+              <a:rPr lang="ko-KR" altLang="en-US" sz="1200" dirty="0" smtClean="0"/>
+              <a:t> 삭제</a:t>
+            </a:r>
+            <a:endParaRPr lang="ko-KR" altLang="en-US" sz="1200" dirty="0"/>
+          </a:p>
+        </p:txBody>
+      </p:sp>
+      <p:cxnSp>
+        <p:nvCxnSpPr>
+          <p:cNvPr id="42" name="직선 화살표 연결선 41">
+            <a:extLst>
+              <a:ext uri="{FF2B5EF4-FFF2-40B4-BE49-F238E27FC236}">
+                <a16:creationId xmlns:a16="http://schemas.microsoft.com/office/drawing/2014/main" id="{4D136151-8885-467D-84A1-5C68CEE31CC7}"/>
+              </a:ext>
+            </a:extLst>
+          </p:cNvPr>
+          <p:cNvCxnSpPr>
+            <a:cxnSpLocks/>
+          </p:cNvCxnSpPr>
+          <p:nvPr/>
+        </p:nvCxnSpPr>
+        <p:spPr>
+          <a:xfrm flipH="1">
+            <a:off x="2814049" y="1991538"/>
+            <a:ext cx="1994613" cy="675"/>
+          </a:xfrm>
+          <a:prstGeom prst="straightConnector1">
+            <a:avLst/>
+          </a:prstGeom>
+          <a:ln w="25400">
+            <a:tailEnd type="triangle"/>
+          </a:ln>
+        </p:spPr>
+        <p:style>
+          <a:lnRef idx="1">
+            <a:schemeClr val="dk1"/>
+          </a:lnRef>
+          <a:fillRef idx="0">
+            <a:schemeClr val="dk1"/>
+          </a:fillRef>
+          <a:effectRef idx="0">
+            <a:schemeClr val="dk1"/>
+          </a:effectRef>
+          <a:fontRef idx="minor">
+            <a:schemeClr val="tx1"/>
+          </a:fontRef>
+        </p:style>
+      </p:cxnSp>
+      <p:sp>
+        <p:nvSpPr>
+          <p:cNvPr id="48" name="TextBox 47">
+            <a:extLst>
+              <a:ext uri="{FF2B5EF4-FFF2-40B4-BE49-F238E27FC236}">
+                <a16:creationId xmlns:a16="http://schemas.microsoft.com/office/drawing/2014/main" id="{4306E35A-9D93-44D0-904B-3D3224DFAF9A}"/>
+              </a:ext>
+            </a:extLst>
+          </p:cNvPr>
+          <p:cNvSpPr txBox="1"/>
+          <p:nvPr/>
+        </p:nvSpPr>
+        <p:spPr>
+          <a:xfrm>
+            <a:off x="3280178" y="2098294"/>
+            <a:ext cx="800219" cy="276999"/>
+          </a:xfrm>
+          <a:prstGeom prst="rect">
+            <a:avLst/>
+          </a:prstGeom>
+          <a:noFill/>
+        </p:spPr>
+        <p:txBody>
+          <a:bodyPr wrap="none" rtlCol="0">
+            <a:spAutoFit/>
+          </a:bodyPr>
+          <a:lstStyle/>
+          <a:p>
+            <a:r>
+              <a:rPr lang="en-US" altLang="ko-KR" sz="1200" dirty="0"/>
+              <a:t>7</a:t>
+            </a:r>
+            <a:r>
+              <a:rPr lang="en-US" altLang="ko-KR" sz="1200" dirty="0" smtClean="0"/>
+              <a:t>. </a:t>
+            </a:r>
+            <a:r>
+              <a:rPr lang="ko-KR" altLang="en-US" sz="1200" dirty="0" smtClean="0"/>
+              <a:t>세션</a:t>
+            </a:r>
+            <a:r>
+              <a:rPr lang="en-US" altLang="ko-KR" sz="1200" dirty="0" smtClean="0"/>
+              <a:t>Id</a:t>
+            </a:r>
+            <a:endParaRPr lang="ko-KR" altLang="en-US" sz="1200" dirty="0"/>
+          </a:p>
+        </p:txBody>
+      </p:sp>
+      <p:cxnSp>
+        <p:nvCxnSpPr>
+          <p:cNvPr id="34" name="직선 화살표 연결선 33"/>
+          <p:cNvCxnSpPr/>
+          <p:nvPr/>
+        </p:nvCxnSpPr>
+        <p:spPr>
+          <a:xfrm flipH="1">
+            <a:off x="6207938" y="1979592"/>
+            <a:ext cx="1" cy="633147"/>
+          </a:xfrm>
+          <a:prstGeom prst="straightConnector1">
+            <a:avLst/>
+          </a:prstGeom>
+          <a:ln w="25400">
+            <a:tailEnd type="triangle"/>
+          </a:ln>
+        </p:spPr>
+        <p:style>
+          <a:lnRef idx="1">
+            <a:schemeClr val="dk1"/>
+          </a:lnRef>
+          <a:fillRef idx="0">
+            <a:schemeClr val="dk1"/>
+          </a:fillRef>
+          <a:effectRef idx="0">
+            <a:schemeClr val="dk1"/>
+          </a:effectRef>
+          <a:fontRef idx="minor">
+            <a:schemeClr val="tx1"/>
+          </a:fontRef>
+        </p:style>
+      </p:cxnSp>
+      <p:sp>
+        <p:nvSpPr>
+          <p:cNvPr id="35" name="TextBox 34">
+            <a:extLst>
+              <a:ext uri="{FF2B5EF4-FFF2-40B4-BE49-F238E27FC236}">
+                <a16:creationId xmlns:a16="http://schemas.microsoft.com/office/drawing/2014/main" id="{ABBD6795-F75F-4C5F-AB9F-1DC775B44A69}"/>
+              </a:ext>
+            </a:extLst>
+          </p:cNvPr>
+          <p:cNvSpPr txBox="1"/>
+          <p:nvPr/>
+        </p:nvSpPr>
+        <p:spPr>
+          <a:xfrm>
+            <a:off x="5347640" y="2130038"/>
+            <a:ext cx="851452" cy="276999"/>
+          </a:xfrm>
+          <a:prstGeom prst="rect">
+            <a:avLst/>
+          </a:prstGeom>
+          <a:noFill/>
+        </p:spPr>
+        <p:txBody>
+          <a:bodyPr wrap="none" rtlCol="0">
+            <a:spAutoFit/>
+          </a:bodyPr>
+          <a:lstStyle/>
+          <a:p>
+            <a:r>
+              <a:rPr lang="en-US" altLang="ko-KR" sz="1200" dirty="0"/>
+              <a:t>ROUTING</a:t>
+            </a:r>
+            <a:endParaRPr lang="ko-KR" altLang="en-US" sz="1200" dirty="0"/>
+          </a:p>
+        </p:txBody>
+      </p:sp>
+      <p:sp>
+        <p:nvSpPr>
+          <p:cNvPr id="36" name="TextBox 35">
+            <a:extLst>
+              <a:ext uri="{FF2B5EF4-FFF2-40B4-BE49-F238E27FC236}">
+                <a16:creationId xmlns:a16="http://schemas.microsoft.com/office/drawing/2014/main" id="{4306E35A-9D93-44D0-904B-3D3224DFAF9A}"/>
+              </a:ext>
+            </a:extLst>
+          </p:cNvPr>
+          <p:cNvSpPr txBox="1"/>
+          <p:nvPr/>
+        </p:nvSpPr>
+        <p:spPr>
+          <a:xfrm>
+            <a:off x="6773551" y="2744744"/>
+            <a:ext cx="2281394" cy="461665"/>
+          </a:xfrm>
+          <a:prstGeom prst="rect">
+            <a:avLst/>
+          </a:prstGeom>
+          <a:noFill/>
+        </p:spPr>
+        <p:txBody>
+          <a:bodyPr wrap="none" rtlCol="0">
+            <a:spAutoFit/>
+          </a:bodyPr>
+          <a:lstStyle/>
+          <a:p>
+            <a:r>
+              <a:rPr lang="en-US" altLang="ko-KR" sz="1200" dirty="0"/>
+              <a:t>5</a:t>
+            </a:r>
+            <a:r>
+              <a:rPr lang="en-US" altLang="ko-KR" sz="1200" dirty="0" smtClean="0"/>
+              <a:t>. </a:t>
             </a:r>
             <a:r>
               <a:rPr lang="ko-KR" altLang="en-US" sz="1200" dirty="0" err="1" smtClean="0"/>
@@ -7676,22 +7989,14 @@
       </p:sp>
       <p:cxnSp>
         <p:nvCxnSpPr>
-          <p:cNvPr id="42" name="직선 화살표 연결선 41">
-            <a:extLst>
-              <a:ext uri="{FF2B5EF4-FFF2-40B4-BE49-F238E27FC236}">
-                <a16:creationId xmlns:a16="http://schemas.microsoft.com/office/drawing/2014/main" id="{4D136151-8885-467D-84A1-5C68CEE31CC7}"/>
-              </a:ext>
-            </a:extLst>
-          </p:cNvPr>
-          <p:cNvCxnSpPr>
-            <a:cxnSpLocks/>
-          </p:cNvCxnSpPr>
+          <p:cNvPr id="37" name="직선 화살표 연결선 36"/>
+          <p:cNvCxnSpPr/>
           <p:nvPr/>
         </p:nvCxnSpPr>
         <p:spPr>
-          <a:xfrm flipH="1">
-            <a:off x="2856975" y="2476020"/>
-            <a:ext cx="1994613" cy="675"/>
+          <a:xfrm>
+            <a:off x="7616579" y="3898621"/>
+            <a:ext cx="0" cy="969097"/>
           </a:xfrm>
           <a:prstGeom prst="straightConnector1">
             <a:avLst/>
@@ -7717,7 +8022,7 @@
       </p:cxnSp>
       <p:sp>
         <p:nvSpPr>
-          <p:cNvPr id="48" name="TextBox 47">
+          <p:cNvPr id="38" name="TextBox 37">
             <a:extLst>
               <a:ext uri="{FF2B5EF4-FFF2-40B4-BE49-F238E27FC236}">
                 <a16:creationId xmlns:a16="http://schemas.microsoft.com/office/drawing/2014/main" id="{4306E35A-9D93-44D0-904B-3D3224DFAF9A}"/>
@@ -7729,8 +8034,8 @@
         </p:nvSpPr>
         <p:spPr>
           <a:xfrm>
-            <a:off x="3323104" y="2582776"/>
-            <a:ext cx="800219" cy="276999"/>
+            <a:off x="7666232" y="4105744"/>
+            <a:ext cx="1721946" cy="276999"/>
           </a:xfrm>
           <a:prstGeom prst="rect">
             <a:avLst/>
@@ -7744,18 +8049,30 @@
           <a:lstStyle/>
           <a:p>
             <a:r>
+              <a:rPr lang="en-US" altLang="ko-KR" sz="1200" dirty="0"/>
+              <a:t>6</a:t>
+            </a:r>
+            <a:r>
               <a:rPr lang="en-US" altLang="ko-KR" sz="1200" dirty="0" smtClean="0"/>
-              <a:t>5. </a:t>
+              <a:t>. </a:t>
             </a:r>
             <a:r>
               <a:rPr lang="ko-KR" altLang="en-US" sz="1200" dirty="0" smtClean="0"/>
-              <a:t>세션</a:t>
+              <a:t>현재 </a:t>
+            </a:r>
+            <a:r>
+              <a:rPr lang="en-US" altLang="ko-KR" sz="1200" dirty="0" err="1" smtClean="0"/>
+              <a:t>sessionId</a:t>
             </a:r>
             <a:r>
               <a:rPr lang="en-US" altLang="ko-KR" sz="1200" dirty="0" smtClean="0"/>
-              <a:t>Id</a:t>
+              <a:t> </a:t>
             </a:r>
-            <a:endParaRPr lang="ko-KR" altLang="en-US" sz="1200" dirty="0"/>
+            <a:r>
+              <a:rPr lang="ko-KR" altLang="en-US" sz="1200" dirty="0" smtClean="0"/>
+              <a:t>기록</a:t>
+            </a:r>
+            <a:endParaRPr lang="en-US" altLang="ko-KR" sz="1200" dirty="0" smtClean="0"/>
           </a:p>
         </p:txBody>
       </p:sp>

--- a/8-msa/3. 인증, 세션, 권한 허가.pptx
+++ b/8-msa/3. 인증, 세션, 권한 허가.pptx
@@ -7,7 +7,8 @@
   <p:sldIdLst>
     <p:sldId id="258" r:id="rId2"/>
     <p:sldId id="260" r:id="rId3"/>
-    <p:sldId id="259" r:id="rId4"/>
+    <p:sldId id="261" r:id="rId4"/>
+    <p:sldId id="259" r:id="rId5"/>
   </p:sldIdLst>
   <p:sldSz cx="12192000" cy="6858000"/>
   <p:notesSz cx="6858000" cy="9144000"/>
@@ -3706,7 +3707,7 @@
         <p:spPr>
           <a:xfrm>
             <a:off x="5319917" y="1196601"/>
-            <a:ext cx="4655355" cy="2365014"/>
+            <a:ext cx="4969392" cy="2365014"/>
           </a:xfrm>
           <a:prstGeom prst="rect">
             <a:avLst/>
@@ -4127,13 +4128,26 @@
             <a:p>
               <a:pPr algn="ctr" eaLnBrk="1" hangingPunct="1"/>
               <a:r>
-                <a:rPr lang="en-US" altLang="en-US" sz="1200" dirty="0">
+                <a:rPr lang="en-US" altLang="en-US" sz="1200" dirty="0" err="1" smtClean="0">
                   <a:latin typeface="Arial" panose="020B0604020202020204" pitchFamily="34" charset="0"/>
                   <a:ea typeface="Amazon Ember" pitchFamily="34" charset="0"/>
                   <a:cs typeface="Arial" panose="020B0604020202020204" pitchFamily="34" charset="0"/>
                 </a:rPr>
-                <a:t>Auth Service</a:t>
+                <a:t>SignUp</a:t>
               </a:r>
+              <a:r>
+                <a:rPr lang="en-US" altLang="en-US" sz="1200" dirty="0" err="1" smtClean="0">
+                  <a:latin typeface="Arial" panose="020B0604020202020204" pitchFamily="34" charset="0"/>
+                  <a:ea typeface="Amazon Ember" pitchFamily="34" charset="0"/>
+                  <a:cs typeface="Arial" panose="020B0604020202020204" pitchFamily="34" charset="0"/>
+                </a:rPr>
+                <a:t>Filter</a:t>
+              </a:r>
+              <a:endParaRPr lang="en-US" altLang="en-US" sz="1200" dirty="0">
+                <a:latin typeface="Arial" panose="020B0604020202020204" pitchFamily="34" charset="0"/>
+                <a:ea typeface="Amazon Ember" pitchFamily="34" charset="0"/>
+                <a:cs typeface="Arial" panose="020B0604020202020204" pitchFamily="34" charset="0"/>
+              </a:endParaRPr>
             </a:p>
           </p:txBody>
         </p:sp>
@@ -4531,7 +4545,7 @@
         <p:spPr>
           <a:xfrm>
             <a:off x="5319917" y="3926099"/>
-            <a:ext cx="4655355" cy="1190848"/>
+            <a:ext cx="4969392" cy="1190848"/>
           </a:xfrm>
           <a:prstGeom prst="rect">
             <a:avLst/>
@@ -5130,7 +5144,6 @@
               <a:rPr lang="en-US" altLang="ko-KR" sz="1400" dirty="0" smtClean="0"/>
               <a:t>)</a:t>
             </a:r>
-            <a:endParaRPr lang="en-US" altLang="ko-KR" sz="1400" dirty="0" smtClean="0"/>
           </a:p>
           <a:p>
             <a:pPr marL="285750" indent="-285750">
@@ -5147,7 +5160,7 @@
             </a:r>
             <a:r>
               <a:rPr lang="en-US" altLang="ko-KR" sz="1400" dirty="0" smtClean="0"/>
-              <a:t>)</a:t>
+              <a:t>, role)</a:t>
             </a:r>
             <a:endParaRPr lang="ko-KR" altLang="en-US" sz="1400" dirty="0"/>
           </a:p>
@@ -5319,8 +5332,8 @@
         </p:nvSpPr>
         <p:spPr>
           <a:xfrm>
-            <a:off x="5347640" y="2130038"/>
-            <a:ext cx="851452" cy="276999"/>
+            <a:off x="5543547" y="2138869"/>
+            <a:ext cx="624338" cy="276999"/>
           </a:xfrm>
           <a:prstGeom prst="rect">
             <a:avLst/>
@@ -5334,8 +5347,89 @@
           <a:lstStyle/>
           <a:p>
             <a:r>
-              <a:rPr lang="en-US" altLang="ko-KR" sz="1200" dirty="0"/>
-              <a:t>ROUTING</a:t>
+              <a:rPr lang="en-US" altLang="ko-KR" sz="1200" dirty="0" smtClean="0"/>
+              <a:t>FILTER</a:t>
+            </a:r>
+            <a:endParaRPr lang="ko-KR" altLang="en-US" sz="1200" dirty="0"/>
+          </a:p>
+        </p:txBody>
+      </p:sp>
+      <p:cxnSp>
+        <p:nvCxnSpPr>
+          <p:cNvPr id="29" name="직선 화살표 연결선 28">
+            <a:extLst>
+              <a:ext uri="{FF2B5EF4-FFF2-40B4-BE49-F238E27FC236}">
+                <a16:creationId xmlns:a16="http://schemas.microsoft.com/office/drawing/2014/main" id="{4D136151-8885-467D-84A1-5C68CEE31CC7}"/>
+              </a:ext>
+            </a:extLst>
+          </p:cNvPr>
+          <p:cNvCxnSpPr>
+            <a:cxnSpLocks/>
+          </p:cNvCxnSpPr>
+          <p:nvPr/>
+        </p:nvCxnSpPr>
+        <p:spPr>
+          <a:xfrm flipH="1">
+            <a:off x="2944924" y="1931691"/>
+            <a:ext cx="1834559" cy="0"/>
+          </a:xfrm>
+          <a:prstGeom prst="straightConnector1">
+            <a:avLst/>
+          </a:prstGeom>
+          <a:ln w="25400">
+            <a:tailEnd type="triangle"/>
+          </a:ln>
+        </p:spPr>
+        <p:style>
+          <a:lnRef idx="1">
+            <a:schemeClr val="dk1"/>
+          </a:lnRef>
+          <a:fillRef idx="0">
+            <a:schemeClr val="dk1"/>
+          </a:fillRef>
+          <a:effectRef idx="0">
+            <a:schemeClr val="dk1"/>
+          </a:effectRef>
+          <a:fontRef idx="minor">
+            <a:schemeClr val="tx1"/>
+          </a:fontRef>
+        </p:style>
+      </p:cxnSp>
+      <p:sp>
+        <p:nvSpPr>
+          <p:cNvPr id="32" name="TextBox 31">
+            <a:extLst>
+              <a:ext uri="{FF2B5EF4-FFF2-40B4-BE49-F238E27FC236}">
+                <a16:creationId xmlns:a16="http://schemas.microsoft.com/office/drawing/2014/main" id="{4306E35A-9D93-44D0-904B-3D3224DFAF9A}"/>
+              </a:ext>
+            </a:extLst>
+          </p:cNvPr>
+          <p:cNvSpPr txBox="1"/>
+          <p:nvPr/>
+        </p:nvSpPr>
+        <p:spPr>
+          <a:xfrm>
+            <a:off x="3094107" y="2001044"/>
+            <a:ext cx="1205523" cy="276999"/>
+          </a:xfrm>
+          <a:prstGeom prst="rect">
+            <a:avLst/>
+          </a:prstGeom>
+          <a:noFill/>
+        </p:spPr>
+        <p:txBody>
+          <a:bodyPr wrap="none" rtlCol="0">
+            <a:spAutoFit/>
+          </a:bodyPr>
+          <a:lstStyle/>
+          <a:p>
+            <a:r>
+              <a:rPr lang="en-US" altLang="ko-KR" sz="1200" dirty="0" smtClean="0"/>
+              <a:t>3</a:t>
+            </a:r>
+            <a:r>
+              <a:rPr lang="en-US" altLang="ko-KR" sz="1200" dirty="0" smtClean="0"/>
+              <a:t>. 201 Created</a:t>
             </a:r>
             <a:endParaRPr lang="ko-KR" altLang="en-US" sz="1200" dirty="0"/>
           </a:p>
@@ -6174,13 +6268,18 @@
             <a:p>
               <a:pPr algn="ctr" eaLnBrk="1" hangingPunct="1"/>
               <a:r>
-                <a:rPr lang="en-US" altLang="en-US" sz="1200" dirty="0">
+                <a:rPr lang="en-US" altLang="en-US" sz="1200" dirty="0" err="1" smtClean="0">
                   <a:latin typeface="Arial" panose="020B0604020202020204" pitchFamily="34" charset="0"/>
                   <a:ea typeface="Amazon Ember" pitchFamily="34" charset="0"/>
                   <a:cs typeface="Arial" panose="020B0604020202020204" pitchFamily="34" charset="0"/>
                 </a:rPr>
-                <a:t>Auth Service</a:t>
+                <a:t>SignInFilter</a:t>
               </a:r>
+              <a:endParaRPr lang="en-US" altLang="en-US" sz="1200" dirty="0">
+                <a:latin typeface="Arial" panose="020B0604020202020204" pitchFamily="34" charset="0"/>
+                <a:ea typeface="Amazon Ember" pitchFamily="34" charset="0"/>
+                <a:cs typeface="Arial" panose="020B0604020202020204" pitchFamily="34" charset="0"/>
+              </a:endParaRPr>
             </a:p>
           </p:txBody>
         </p:sp>
@@ -7128,8 +7227,8 @@
         </p:nvSpPr>
         <p:spPr>
           <a:xfrm>
-            <a:off x="7075147" y="5284875"/>
-            <a:ext cx="3380185" cy="738664"/>
+            <a:off x="6670742" y="5304761"/>
+            <a:ext cx="3563149" cy="738664"/>
           </a:xfrm>
           <a:prstGeom prst="rect">
             <a:avLst/>
@@ -7143,10 +7242,10 @@
           <a:lstStyle/>
           <a:p>
             <a:r>
-              <a:rPr lang="ko-KR" altLang="en-US" sz="1400" dirty="0" smtClean="0"/>
+              <a:rPr lang="ko-KR" altLang="en-US" sz="1400" dirty="0"/>
               <a:t>테이블</a:t>
             </a:r>
-            <a:endParaRPr lang="en-US" altLang="ko-KR" sz="1400" dirty="0" smtClean="0"/>
+            <a:endParaRPr lang="en-US" altLang="ko-KR" sz="1400" dirty="0"/>
           </a:p>
           <a:p>
             <a:pPr marL="285750" indent="-285750">
@@ -7154,34 +7253,33 @@
               <a:buChar char="-"/>
             </a:pPr>
             <a:r>
-              <a:rPr lang="en-US" altLang="ko-KR" sz="1400" dirty="0" smtClean="0"/>
+              <a:rPr lang="en-US" altLang="ko-KR" sz="1400" dirty="0"/>
               <a:t>login(id, </a:t>
             </a:r>
             <a:r>
-              <a:rPr lang="en-US" altLang="ko-KR" sz="1400" dirty="0" err="1" smtClean="0"/>
+              <a:rPr lang="en-US" altLang="ko-KR" sz="1400" dirty="0" err="1"/>
               <a:t>userid</a:t>
             </a:r>
             <a:r>
-              <a:rPr lang="en-US" altLang="ko-KR" sz="1400" dirty="0" smtClean="0"/>
+              <a:rPr lang="en-US" altLang="ko-KR" sz="1400" dirty="0"/>
               <a:t>, </a:t>
             </a:r>
             <a:r>
-              <a:rPr lang="en-US" altLang="ko-KR" sz="1400" dirty="0" err="1" smtClean="0"/>
+              <a:rPr lang="en-US" altLang="ko-KR" sz="1400" dirty="0" err="1"/>
               <a:t>passwd</a:t>
             </a:r>
             <a:r>
-              <a:rPr lang="en-US" altLang="ko-KR" sz="1400" dirty="0" smtClean="0"/>
+              <a:rPr lang="en-US" altLang="ko-KR" sz="1400" dirty="0"/>
               <a:t>, </a:t>
             </a:r>
             <a:r>
-              <a:rPr lang="en-US" altLang="ko-KR" sz="1400" dirty="0" err="1" smtClean="0"/>
+              <a:rPr lang="en-US" altLang="ko-KR" sz="1400" dirty="0" err="1"/>
               <a:t>sessionId</a:t>
             </a:r>
             <a:r>
-              <a:rPr lang="en-US" altLang="ko-KR" sz="1400" dirty="0" smtClean="0"/>
+              <a:rPr lang="en-US" altLang="ko-KR" sz="1400" dirty="0"/>
               <a:t>)</a:t>
             </a:r>
-            <a:endParaRPr lang="en-US" altLang="ko-KR" sz="1400" dirty="0" smtClean="0"/>
           </a:p>
           <a:p>
             <a:pPr marL="285750" indent="-285750">
@@ -7189,16 +7287,16 @@
               <a:buChar char="-"/>
             </a:pPr>
             <a:r>
-              <a:rPr lang="en-US" altLang="ko-KR" sz="1400" dirty="0" smtClean="0"/>
+              <a:rPr lang="en-US" altLang="ko-KR" sz="1400" dirty="0"/>
               <a:t>profile(id, username, email, </a:t>
             </a:r>
             <a:r>
-              <a:rPr lang="en-US" altLang="ko-KR" sz="1400" dirty="0" err="1" smtClean="0"/>
+              <a:rPr lang="en-US" altLang="ko-KR" sz="1400" dirty="0" err="1"/>
               <a:t>img</a:t>
             </a:r>
             <a:r>
-              <a:rPr lang="en-US" altLang="ko-KR" sz="1400" dirty="0" smtClean="0"/>
-              <a:t>)</a:t>
+              <a:rPr lang="en-US" altLang="ko-KR" sz="1400" dirty="0"/>
+              <a:t>, role)</a:t>
             </a:r>
             <a:endParaRPr lang="ko-KR" altLang="en-US" sz="1400" dirty="0"/>
           </a:p>
@@ -7640,15 +7738,7 @@
           <a:p>
             <a:r>
               <a:rPr lang="ko-KR" altLang="en-US" sz="1200" dirty="0" smtClean="0"/>
-              <a:t>및 </a:t>
-            </a:r>
-            <a:r>
-              <a:rPr lang="ko-KR" altLang="en-US" sz="1200" dirty="0" smtClean="0"/>
-              <a:t>사용자 </a:t>
-            </a:r>
-            <a:r>
-              <a:rPr lang="ko-KR" altLang="en-US" sz="1200" dirty="0" smtClean="0"/>
-              <a:t>정보 조회</a:t>
+              <a:t>및 사용자 정보 조회</a:t>
             </a:r>
             <a:endParaRPr lang="en-US" altLang="ko-KR" sz="1200" dirty="0" smtClean="0"/>
           </a:p>
@@ -7886,8 +7976,8 @@
         </p:nvSpPr>
         <p:spPr>
           <a:xfrm>
-            <a:off x="5347640" y="2130038"/>
-            <a:ext cx="851452" cy="276999"/>
+            <a:off x="5460555" y="2130038"/>
+            <a:ext cx="624338" cy="276999"/>
           </a:xfrm>
           <a:prstGeom prst="rect">
             <a:avLst/>
@@ -7901,8 +7991,8 @@
           <a:lstStyle/>
           <a:p>
             <a:r>
-              <a:rPr lang="en-US" altLang="ko-KR" sz="1200" dirty="0"/>
-              <a:t>ROUTING</a:t>
+              <a:rPr lang="en-US" altLang="ko-KR" sz="1200" dirty="0" smtClean="0"/>
+              <a:t>FILTER</a:t>
             </a:r>
             <a:endParaRPr lang="ko-KR" altLang="en-US" sz="1200" dirty="0"/>
           </a:p>
@@ -8090,6 +8180,3280 @@
 </file>
 
 <file path=ppt/slides/slide3.xml><?xml version="1.0" encoding="utf-8"?>
+<p:sld xmlns:a="http://schemas.openxmlformats.org/drawingml/2006/main" xmlns:r="http://schemas.openxmlformats.org/officeDocument/2006/relationships" xmlns:p="http://schemas.openxmlformats.org/presentationml/2006/main">
+  <p:cSld>
+    <p:spTree>
+      <p:nvGrpSpPr>
+        <p:cNvPr id="1" name=""/>
+        <p:cNvGrpSpPr/>
+        <p:nvPr/>
+      </p:nvGrpSpPr>
+      <p:grpSpPr>
+        <a:xfrm>
+          <a:off x="0" y="0"/>
+          <a:ext cx="0" cy="0"/>
+          <a:chOff x="0" y="0"/>
+          <a:chExt cx="0" cy="0"/>
+        </a:xfrm>
+      </p:grpSpPr>
+      <p:sp>
+        <p:nvSpPr>
+          <p:cNvPr id="2" name="TextBox 1"/>
+          <p:cNvSpPr txBox="1"/>
+          <p:nvPr/>
+        </p:nvSpPr>
+        <p:spPr>
+          <a:xfrm>
+            <a:off x="4950690" y="212436"/>
+            <a:ext cx="3623108" cy="369332"/>
+          </a:xfrm>
+          <a:prstGeom prst="rect">
+            <a:avLst/>
+          </a:prstGeom>
+          <a:noFill/>
+        </p:spPr>
+        <p:txBody>
+          <a:bodyPr wrap="none" rtlCol="0">
+            <a:spAutoFit/>
+          </a:bodyPr>
+          <a:lstStyle/>
+          <a:p>
+            <a:r>
+              <a:rPr lang="en-US" altLang="ko-KR" dirty="0"/>
+              <a:t>3</a:t>
+            </a:r>
+            <a:r>
+              <a:rPr lang="en-US" altLang="ko-KR" dirty="0" smtClean="0"/>
+              <a:t>. </a:t>
+            </a:r>
+            <a:r>
+              <a:rPr lang="ko-KR" altLang="en-US" dirty="0" smtClean="0"/>
+              <a:t>서비스 접근 및 권한 허가 처리</a:t>
+            </a:r>
+            <a:endParaRPr lang="ko-KR" altLang="en-US" dirty="0"/>
+          </a:p>
+        </p:txBody>
+      </p:sp>
+      <p:grpSp>
+        <p:nvGrpSpPr>
+          <p:cNvPr id="3" name="그룹 2">
+            <a:extLst>
+              <a:ext uri="{FF2B5EF4-FFF2-40B4-BE49-F238E27FC236}">
+                <a16:creationId xmlns:a16="http://schemas.microsoft.com/office/drawing/2014/main" id="{34087C91-66D6-405B-966C-4CD36D33C927}"/>
+              </a:ext>
+            </a:extLst>
+          </p:cNvPr>
+          <p:cNvGrpSpPr/>
+          <p:nvPr/>
+        </p:nvGrpSpPr>
+        <p:grpSpPr>
+          <a:xfrm>
+            <a:off x="6571775" y="1210467"/>
+            <a:ext cx="2481570" cy="654145"/>
+            <a:chOff x="3511204" y="2640320"/>
+            <a:chExt cx="2481570" cy="654145"/>
+          </a:xfrm>
+        </p:grpSpPr>
+        <p:pic>
+          <p:nvPicPr>
+            <p:cNvPr id="4" name="Picture 8" descr="spring cloud gateway icon png 이미지 검색결과">
+              <a:extLst>
+                <a:ext uri="{FF2B5EF4-FFF2-40B4-BE49-F238E27FC236}">
+                  <a16:creationId xmlns:a16="http://schemas.microsoft.com/office/drawing/2014/main" id="{2EBBD46B-CBFE-41FF-ADF8-B522655A4A0F}"/>
+                </a:ext>
+              </a:extLst>
+            </p:cNvPr>
+            <p:cNvPicPr>
+              <a:picLocks noChangeAspect="1" noChangeArrowheads="1"/>
+            </p:cNvPicPr>
+            <p:nvPr/>
+          </p:nvPicPr>
+          <p:blipFill>
+            <a:blip r:embed="rId2">
+              <a:extLst>
+                <a:ext uri="{28A0092B-C50C-407E-A947-70E740481C1C}">
+                  <a14:useLocalDpi xmlns:a14="http://schemas.microsoft.com/office/drawing/2010/main" val="0"/>
+                </a:ext>
+              </a:extLst>
+            </a:blip>
+            <a:srcRect/>
+            <a:stretch>
+              <a:fillRect/>
+            </a:stretch>
+          </p:blipFill>
+          <p:spPr bwMode="auto">
+            <a:xfrm flipH="1">
+              <a:off x="3511204" y="2640320"/>
+              <a:ext cx="681547" cy="654145"/>
+            </a:xfrm>
+            <a:prstGeom prst="rect">
+              <a:avLst/>
+            </a:prstGeom>
+            <a:noFill/>
+            <a:extLst>
+              <a:ext uri="{909E8E84-426E-40DD-AFC4-6F175D3DCCD1}">
+                <a14:hiddenFill xmlns:a14="http://schemas.microsoft.com/office/drawing/2010/main">
+                  <a:solidFill>
+                    <a:srgbClr val="FFFFFF"/>
+                  </a:solidFill>
+                </a14:hiddenFill>
+              </a:ext>
+            </a:extLst>
+          </p:spPr>
+        </p:pic>
+        <p:sp>
+          <p:nvSpPr>
+            <p:cNvPr id="5" name="TextBox 9">
+              <a:extLst>
+                <a:ext uri="{FF2B5EF4-FFF2-40B4-BE49-F238E27FC236}">
+                  <a16:creationId xmlns:a16="http://schemas.microsoft.com/office/drawing/2014/main" id="{2745B5A4-C782-41A5-9DE0-BE50F131B12E}"/>
+                </a:ext>
+              </a:extLst>
+            </p:cNvPr>
+            <p:cNvSpPr txBox="1">
+              <a:spLocks noChangeArrowheads="1"/>
+            </p:cNvSpPr>
+            <p:nvPr/>
+          </p:nvSpPr>
+          <p:spPr bwMode="auto">
+            <a:xfrm>
+              <a:off x="4095453" y="2843664"/>
+              <a:ext cx="1897321" cy="276999"/>
+            </a:xfrm>
+            <a:prstGeom prst="rect">
+              <a:avLst/>
+            </a:prstGeom>
+            <a:noFill/>
+            <a:ln>
+              <a:noFill/>
+            </a:ln>
+            <a:extLst>
+              <a:ext uri="{909E8E84-426E-40DD-AFC4-6F175D3DCCD1}">
+                <a14:hiddenFill xmlns:a14="http://schemas.microsoft.com/office/drawing/2010/main">
+                  <a:solidFill>
+                    <a:srgbClr val="FFFFFF"/>
+                  </a:solidFill>
+                </a14:hiddenFill>
+              </a:ext>
+              <a:ext uri="{91240B29-F687-4F45-9708-019B960494DF}">
+                <a14:hiddenLine xmlns:a14="http://schemas.microsoft.com/office/drawing/2010/main" w="9525">
+                  <a:solidFill>
+                    <a:srgbClr val="000000"/>
+                  </a:solidFill>
+                  <a:miter lim="800000"/>
+                  <a:headEnd/>
+                  <a:tailEnd/>
+                </a14:hiddenLine>
+              </a:ext>
+            </a:extLst>
+          </p:spPr>
+          <p:txBody>
+            <a:bodyPr wrap="square">
+              <a:spAutoFit/>
+            </a:bodyPr>
+            <a:lstStyle>
+              <a:defPPr>
+                <a:defRPr lang="en-US"/>
+              </a:defPPr>
+              <a:lvl1pPr algn="l" rtl="0" eaLnBrk="0" fontAlgn="base" hangingPunct="0">
+                <a:spcBef>
+                  <a:spcPct val="0"/>
+                </a:spcBef>
+                <a:spcAft>
+                  <a:spcPct val="0"/>
+                </a:spcAft>
+                <a:defRPr kern="1200">
+                  <a:solidFill>
+                    <a:schemeClr val="tx1"/>
+                  </a:solidFill>
+                  <a:latin typeface="Calibri" panose="020F0502020204030204" pitchFamily="34" charset="0"/>
+                  <a:ea typeface="+mn-ea"/>
+                  <a:cs typeface="+mn-cs"/>
+                </a:defRPr>
+              </a:lvl1pPr>
+              <a:lvl2pPr marL="457200" algn="l" rtl="0" eaLnBrk="0" fontAlgn="base" hangingPunct="0">
+                <a:spcBef>
+                  <a:spcPct val="0"/>
+                </a:spcBef>
+                <a:spcAft>
+                  <a:spcPct val="0"/>
+                </a:spcAft>
+                <a:defRPr kern="1200">
+                  <a:solidFill>
+                    <a:schemeClr val="tx1"/>
+                  </a:solidFill>
+                  <a:latin typeface="Calibri" panose="020F0502020204030204" pitchFamily="34" charset="0"/>
+                  <a:ea typeface="+mn-ea"/>
+                  <a:cs typeface="+mn-cs"/>
+                </a:defRPr>
+              </a:lvl2pPr>
+              <a:lvl3pPr marL="914400" algn="l" rtl="0" eaLnBrk="0" fontAlgn="base" hangingPunct="0">
+                <a:spcBef>
+                  <a:spcPct val="0"/>
+                </a:spcBef>
+                <a:spcAft>
+                  <a:spcPct val="0"/>
+                </a:spcAft>
+                <a:defRPr kern="1200">
+                  <a:solidFill>
+                    <a:schemeClr val="tx1"/>
+                  </a:solidFill>
+                  <a:latin typeface="Calibri" panose="020F0502020204030204" pitchFamily="34" charset="0"/>
+                  <a:ea typeface="+mn-ea"/>
+                  <a:cs typeface="+mn-cs"/>
+                </a:defRPr>
+              </a:lvl3pPr>
+              <a:lvl4pPr marL="1371600" algn="l" rtl="0" eaLnBrk="0" fontAlgn="base" hangingPunct="0">
+                <a:spcBef>
+                  <a:spcPct val="0"/>
+                </a:spcBef>
+                <a:spcAft>
+                  <a:spcPct val="0"/>
+                </a:spcAft>
+                <a:defRPr kern="1200">
+                  <a:solidFill>
+                    <a:schemeClr val="tx1"/>
+                  </a:solidFill>
+                  <a:latin typeface="Calibri" panose="020F0502020204030204" pitchFamily="34" charset="0"/>
+                  <a:ea typeface="+mn-ea"/>
+                  <a:cs typeface="+mn-cs"/>
+                </a:defRPr>
+              </a:lvl4pPr>
+              <a:lvl5pPr marL="1828800" algn="l" rtl="0" eaLnBrk="0" fontAlgn="base" hangingPunct="0">
+                <a:spcBef>
+                  <a:spcPct val="0"/>
+                </a:spcBef>
+                <a:spcAft>
+                  <a:spcPct val="0"/>
+                </a:spcAft>
+                <a:defRPr kern="1200">
+                  <a:solidFill>
+                    <a:schemeClr val="tx1"/>
+                  </a:solidFill>
+                  <a:latin typeface="Calibri" panose="020F0502020204030204" pitchFamily="34" charset="0"/>
+                  <a:ea typeface="+mn-ea"/>
+                  <a:cs typeface="+mn-cs"/>
+                </a:defRPr>
+              </a:lvl5pPr>
+              <a:lvl6pPr marL="2286000" algn="l" defTabSz="914400" rtl="0" eaLnBrk="1" latinLnBrk="1" hangingPunct="1">
+                <a:defRPr kern="1200">
+                  <a:solidFill>
+                    <a:schemeClr val="tx1"/>
+                  </a:solidFill>
+                  <a:latin typeface="Calibri" panose="020F0502020204030204" pitchFamily="34" charset="0"/>
+                  <a:ea typeface="+mn-ea"/>
+                  <a:cs typeface="+mn-cs"/>
+                </a:defRPr>
+              </a:lvl6pPr>
+              <a:lvl7pPr marL="2743200" algn="l" defTabSz="914400" rtl="0" eaLnBrk="1" latinLnBrk="1" hangingPunct="1">
+                <a:defRPr kern="1200">
+                  <a:solidFill>
+                    <a:schemeClr val="tx1"/>
+                  </a:solidFill>
+                  <a:latin typeface="Calibri" panose="020F0502020204030204" pitchFamily="34" charset="0"/>
+                  <a:ea typeface="+mn-ea"/>
+                  <a:cs typeface="+mn-cs"/>
+                </a:defRPr>
+              </a:lvl7pPr>
+              <a:lvl8pPr marL="3200400" algn="l" defTabSz="914400" rtl="0" eaLnBrk="1" latinLnBrk="1" hangingPunct="1">
+                <a:defRPr kern="1200">
+                  <a:solidFill>
+                    <a:schemeClr val="tx1"/>
+                  </a:solidFill>
+                  <a:latin typeface="Calibri" panose="020F0502020204030204" pitchFamily="34" charset="0"/>
+                  <a:ea typeface="+mn-ea"/>
+                  <a:cs typeface="+mn-cs"/>
+                </a:defRPr>
+              </a:lvl8pPr>
+              <a:lvl9pPr marL="3657600" algn="l" defTabSz="914400" rtl="0" eaLnBrk="1" latinLnBrk="1" hangingPunct="1">
+                <a:defRPr kern="1200">
+                  <a:solidFill>
+                    <a:schemeClr val="tx1"/>
+                  </a:solidFill>
+                  <a:latin typeface="Calibri" panose="020F0502020204030204" pitchFamily="34" charset="0"/>
+                  <a:ea typeface="+mn-ea"/>
+                  <a:cs typeface="+mn-cs"/>
+                </a:defRPr>
+              </a:lvl9pPr>
+            </a:lstStyle>
+            <a:p>
+              <a:pPr algn="ctr" eaLnBrk="1" hangingPunct="1"/>
+              <a:r>
+                <a:rPr lang="en-US" altLang="en-US" sz="1200" dirty="0" smtClean="0">
+                  <a:latin typeface="Arial" panose="020B0604020202020204" pitchFamily="34" charset="0"/>
+                  <a:ea typeface="Amazon Ember" pitchFamily="34" charset="0"/>
+                  <a:cs typeface="Arial" panose="020B0604020202020204" pitchFamily="34" charset="0"/>
+                </a:rPr>
+                <a:t>Spring Cloud </a:t>
+              </a:r>
+              <a:r>
+                <a:rPr lang="en-US" altLang="en-US" sz="1200" dirty="0" err="1">
+                  <a:latin typeface="Arial" panose="020B0604020202020204" pitchFamily="34" charset="0"/>
+                  <a:ea typeface="Amazon Ember" pitchFamily="34" charset="0"/>
+                  <a:cs typeface="Arial" panose="020B0604020202020204" pitchFamily="34" charset="0"/>
+                </a:rPr>
+                <a:t>Gatway</a:t>
+              </a:r>
+              <a:endParaRPr lang="en-US" altLang="en-US" sz="1200" dirty="0">
+                <a:latin typeface="Arial" panose="020B0604020202020204" pitchFamily="34" charset="0"/>
+                <a:ea typeface="Amazon Ember" pitchFamily="34" charset="0"/>
+                <a:cs typeface="Arial" panose="020B0604020202020204" pitchFamily="34" charset="0"/>
+              </a:endParaRPr>
+            </a:p>
+          </p:txBody>
+        </p:sp>
+      </p:grpSp>
+      <p:pic>
+        <p:nvPicPr>
+          <p:cNvPr id="6" name="Graphic 23">
+            <a:extLst>
+              <a:ext uri="{FF2B5EF4-FFF2-40B4-BE49-F238E27FC236}">
+                <a16:creationId xmlns:a16="http://schemas.microsoft.com/office/drawing/2014/main" id="{5F808509-BD20-42DE-BE4C-9FD915E763BD}"/>
+              </a:ext>
+            </a:extLst>
+          </p:cNvPr>
+          <p:cNvPicPr>
+            <a:picLocks noChangeAspect="1" noChangeArrowheads="1"/>
+          </p:cNvPicPr>
+          <p:nvPr/>
+        </p:nvPicPr>
+        <p:blipFill>
+          <a:blip r:embed="rId3" cstate="hqprint">
+            <a:extLst>
+              <a:ext uri="{28A0092B-C50C-407E-A947-70E740481C1C}">
+                <a14:useLocalDpi xmlns:a14="http://schemas.microsoft.com/office/drawing/2010/main" val="0"/>
+              </a:ext>
+            </a:extLst>
+          </a:blip>
+          <a:srcRect/>
+          <a:stretch>
+            <a:fillRect/>
+          </a:stretch>
+        </p:blipFill>
+        <p:spPr bwMode="auto">
+          <a:xfrm>
+            <a:off x="6017605" y="1245120"/>
+            <a:ext cx="330200" cy="330200"/>
+          </a:xfrm>
+          <a:prstGeom prst="rect">
+            <a:avLst/>
+          </a:prstGeom>
+          <a:noFill/>
+          <a:ln>
+            <a:noFill/>
+          </a:ln>
+          <a:extLst>
+            <a:ext uri="{909E8E84-426E-40DD-AFC4-6F175D3DCCD1}">
+              <a14:hiddenFill xmlns:a14="http://schemas.microsoft.com/office/drawing/2010/main">
+                <a:solidFill>
+                  <a:srgbClr val="FFFFFF"/>
+                </a:solidFill>
+              </a14:hiddenFill>
+            </a:ext>
+            <a:ext uri="{91240B29-F687-4F45-9708-019B960494DF}">
+              <a14:hiddenLine xmlns:a14="http://schemas.microsoft.com/office/drawing/2010/main" w="9525">
+                <a:solidFill>
+                  <a:srgbClr val="000000"/>
+                </a:solidFill>
+                <a:miter lim="800000"/>
+                <a:headEnd/>
+                <a:tailEnd/>
+              </a14:hiddenLine>
+            </a:ext>
+          </a:extLst>
+        </p:spPr>
+      </p:pic>
+      <p:sp>
+        <p:nvSpPr>
+          <p:cNvPr id="7" name="Rectangle 31">
+            <a:extLst>
+              <a:ext uri="{FF2B5EF4-FFF2-40B4-BE49-F238E27FC236}">
+                <a16:creationId xmlns:a16="http://schemas.microsoft.com/office/drawing/2014/main" id="{56D7E570-4FE2-2F46-A39D-E8C015BB79A5}"/>
+              </a:ext>
+            </a:extLst>
+          </p:cNvPr>
+          <p:cNvSpPr/>
+          <p:nvPr/>
+        </p:nvSpPr>
+        <p:spPr>
+          <a:xfrm>
+            <a:off x="6015211" y="1255037"/>
+            <a:ext cx="5117174" cy="2422431"/>
+          </a:xfrm>
+          <a:prstGeom prst="rect">
+            <a:avLst/>
+          </a:prstGeom>
+          <a:noFill/>
+          <a:ln w="12700">
+            <a:solidFill>
+              <a:srgbClr val="D86613"/>
+            </a:solidFill>
+          </a:ln>
+        </p:spPr>
+        <p:style>
+          <a:lnRef idx="2">
+            <a:schemeClr val="accent1">
+              <a:shade val="50000"/>
+            </a:schemeClr>
+          </a:lnRef>
+          <a:fillRef idx="1">
+            <a:schemeClr val="accent1"/>
+          </a:fillRef>
+          <a:effectRef idx="0">
+            <a:schemeClr val="accent1"/>
+          </a:effectRef>
+          <a:fontRef idx="minor">
+            <a:schemeClr val="lt1"/>
+          </a:fontRef>
+        </p:style>
+        <p:txBody>
+          <a:bodyPr lIns="457200" tIns="91440"/>
+          <a:lstStyle>
+            <a:defPPr>
+              <a:defRPr lang="en-US"/>
+            </a:defPPr>
+            <a:lvl1pPr algn="l" rtl="0" eaLnBrk="0" fontAlgn="base" hangingPunct="0">
+              <a:spcBef>
+                <a:spcPct val="0"/>
+              </a:spcBef>
+              <a:spcAft>
+                <a:spcPct val="0"/>
+              </a:spcAft>
+              <a:defRPr kern="1200">
+                <a:solidFill>
+                  <a:schemeClr val="lt1"/>
+                </a:solidFill>
+                <a:latin typeface="+mn-lt"/>
+                <a:ea typeface="+mn-ea"/>
+                <a:cs typeface="+mn-cs"/>
+              </a:defRPr>
+            </a:lvl1pPr>
+            <a:lvl2pPr marL="457200" algn="l" rtl="0" eaLnBrk="0" fontAlgn="base" hangingPunct="0">
+              <a:spcBef>
+                <a:spcPct val="0"/>
+              </a:spcBef>
+              <a:spcAft>
+                <a:spcPct val="0"/>
+              </a:spcAft>
+              <a:defRPr kern="1200">
+                <a:solidFill>
+                  <a:schemeClr val="lt1"/>
+                </a:solidFill>
+                <a:latin typeface="+mn-lt"/>
+                <a:ea typeface="+mn-ea"/>
+                <a:cs typeface="+mn-cs"/>
+              </a:defRPr>
+            </a:lvl2pPr>
+            <a:lvl3pPr marL="914400" algn="l" rtl="0" eaLnBrk="0" fontAlgn="base" hangingPunct="0">
+              <a:spcBef>
+                <a:spcPct val="0"/>
+              </a:spcBef>
+              <a:spcAft>
+                <a:spcPct val="0"/>
+              </a:spcAft>
+              <a:defRPr kern="1200">
+                <a:solidFill>
+                  <a:schemeClr val="lt1"/>
+                </a:solidFill>
+                <a:latin typeface="+mn-lt"/>
+                <a:ea typeface="+mn-ea"/>
+                <a:cs typeface="+mn-cs"/>
+              </a:defRPr>
+            </a:lvl3pPr>
+            <a:lvl4pPr marL="1371600" algn="l" rtl="0" eaLnBrk="0" fontAlgn="base" hangingPunct="0">
+              <a:spcBef>
+                <a:spcPct val="0"/>
+              </a:spcBef>
+              <a:spcAft>
+                <a:spcPct val="0"/>
+              </a:spcAft>
+              <a:defRPr kern="1200">
+                <a:solidFill>
+                  <a:schemeClr val="lt1"/>
+                </a:solidFill>
+                <a:latin typeface="+mn-lt"/>
+                <a:ea typeface="+mn-ea"/>
+                <a:cs typeface="+mn-cs"/>
+              </a:defRPr>
+            </a:lvl4pPr>
+            <a:lvl5pPr marL="1828800" algn="l" rtl="0" eaLnBrk="0" fontAlgn="base" hangingPunct="0">
+              <a:spcBef>
+                <a:spcPct val="0"/>
+              </a:spcBef>
+              <a:spcAft>
+                <a:spcPct val="0"/>
+              </a:spcAft>
+              <a:defRPr kern="1200">
+                <a:solidFill>
+                  <a:schemeClr val="lt1"/>
+                </a:solidFill>
+                <a:latin typeface="+mn-lt"/>
+                <a:ea typeface="+mn-ea"/>
+                <a:cs typeface="+mn-cs"/>
+              </a:defRPr>
+            </a:lvl5pPr>
+            <a:lvl6pPr marL="2286000" algn="l" defTabSz="914400" rtl="0" eaLnBrk="1" latinLnBrk="1" hangingPunct="1">
+              <a:defRPr kern="1200">
+                <a:solidFill>
+                  <a:schemeClr val="lt1"/>
+                </a:solidFill>
+                <a:latin typeface="+mn-lt"/>
+                <a:ea typeface="+mn-ea"/>
+                <a:cs typeface="+mn-cs"/>
+              </a:defRPr>
+            </a:lvl6pPr>
+            <a:lvl7pPr marL="2743200" algn="l" defTabSz="914400" rtl="0" eaLnBrk="1" latinLnBrk="1" hangingPunct="1">
+              <a:defRPr kern="1200">
+                <a:solidFill>
+                  <a:schemeClr val="lt1"/>
+                </a:solidFill>
+                <a:latin typeface="+mn-lt"/>
+                <a:ea typeface="+mn-ea"/>
+                <a:cs typeface="+mn-cs"/>
+              </a:defRPr>
+            </a:lvl7pPr>
+            <a:lvl8pPr marL="3200400" algn="l" defTabSz="914400" rtl="0" eaLnBrk="1" latinLnBrk="1" hangingPunct="1">
+              <a:defRPr kern="1200">
+                <a:solidFill>
+                  <a:schemeClr val="lt1"/>
+                </a:solidFill>
+                <a:latin typeface="+mn-lt"/>
+                <a:ea typeface="+mn-ea"/>
+                <a:cs typeface="+mn-cs"/>
+              </a:defRPr>
+            </a:lvl8pPr>
+            <a:lvl9pPr marL="3657600" algn="l" defTabSz="914400" rtl="0" eaLnBrk="1" latinLnBrk="1" hangingPunct="1">
+              <a:defRPr kern="1200">
+                <a:solidFill>
+                  <a:schemeClr val="lt1"/>
+                </a:solidFill>
+                <a:latin typeface="+mn-lt"/>
+                <a:ea typeface="+mn-ea"/>
+                <a:cs typeface="+mn-cs"/>
+              </a:defRPr>
+            </a:lvl9pPr>
+          </a:lstStyle>
+          <a:p>
+            <a:pPr eaLnBrk="1" fontAlgn="auto" hangingPunct="1">
+              <a:spcBef>
+                <a:spcPts val="0"/>
+              </a:spcBef>
+              <a:spcAft>
+                <a:spcPts val="0"/>
+              </a:spcAft>
+              <a:defRPr/>
+            </a:pPr>
+            <a:endParaRPr lang="en-US" sz="1200" dirty="0">
+              <a:ln w="0"/>
+              <a:solidFill>
+                <a:srgbClr val="D86613"/>
+              </a:solidFill>
+              <a:latin typeface="Arial" panose="020B0604020202020204" pitchFamily="34" charset="0"/>
+              <a:cs typeface="Arial" panose="020B0604020202020204" pitchFamily="34" charset="0"/>
+            </a:endParaRPr>
+          </a:p>
+        </p:txBody>
+      </p:sp>
+      <p:grpSp>
+        <p:nvGrpSpPr>
+          <p:cNvPr id="11" name="그룹 10">
+            <a:extLst>
+              <a:ext uri="{FF2B5EF4-FFF2-40B4-BE49-F238E27FC236}">
+                <a16:creationId xmlns:a16="http://schemas.microsoft.com/office/drawing/2014/main" id="{0A1DA9B5-D5E6-46DD-B378-E2569BE5FDC0}"/>
+              </a:ext>
+            </a:extLst>
+          </p:cNvPr>
+          <p:cNvGrpSpPr/>
+          <p:nvPr/>
+        </p:nvGrpSpPr>
+        <p:grpSpPr>
+          <a:xfrm>
+            <a:off x="1647329" y="1329860"/>
+            <a:ext cx="1037405" cy="800178"/>
+            <a:chOff x="34147" y="3513833"/>
+            <a:chExt cx="1037405" cy="800178"/>
+          </a:xfrm>
+        </p:grpSpPr>
+        <p:grpSp>
+          <p:nvGrpSpPr>
+            <p:cNvPr id="12" name="그룹 11">
+              <a:extLst>
+                <a:ext uri="{FF2B5EF4-FFF2-40B4-BE49-F238E27FC236}">
+                  <a16:creationId xmlns:a16="http://schemas.microsoft.com/office/drawing/2014/main" id="{7F3AFA71-4AD2-447F-9098-35AC80B637C9}"/>
+                </a:ext>
+              </a:extLst>
+            </p:cNvPr>
+            <p:cNvGrpSpPr/>
+            <p:nvPr/>
+          </p:nvGrpSpPr>
+          <p:grpSpPr>
+            <a:xfrm>
+              <a:off x="34147" y="3513833"/>
+              <a:ext cx="755301" cy="800178"/>
+              <a:chOff x="419622" y="3254806"/>
+              <a:chExt cx="755301" cy="800178"/>
+            </a:xfrm>
+          </p:grpSpPr>
+          <p:pic>
+            <p:nvPicPr>
+              <p:cNvPr id="14" name="Graphic 6">
+                <a:extLst>
+                  <a:ext uri="{FF2B5EF4-FFF2-40B4-BE49-F238E27FC236}">
+                    <a16:creationId xmlns:a16="http://schemas.microsoft.com/office/drawing/2014/main" id="{629D938A-1AA6-4EC9-AC57-A63F17BC4BE5}"/>
+                  </a:ext>
+                </a:extLst>
+              </p:cNvPr>
+              <p:cNvPicPr>
+                <a:picLocks noChangeAspect="1" noChangeArrowheads="1"/>
+              </p:cNvPicPr>
+              <p:nvPr/>
+            </p:nvPicPr>
+            <p:blipFill>
+              <a:blip r:embed="rId4" cstate="hqprint">
+                <a:extLst>
+                  <a:ext uri="{28A0092B-C50C-407E-A947-70E740481C1C}">
+                    <a14:useLocalDpi xmlns:a14="http://schemas.microsoft.com/office/drawing/2010/main" val="0"/>
+                  </a:ext>
+                </a:extLst>
+              </a:blip>
+              <a:srcRect/>
+              <a:stretch>
+                <a:fillRect/>
+              </a:stretch>
+            </p:blipFill>
+            <p:spPr bwMode="auto">
+              <a:xfrm flipH="1">
+                <a:off x="596106" y="3254806"/>
+                <a:ext cx="484188" cy="469900"/>
+              </a:xfrm>
+              <a:prstGeom prst="rect">
+                <a:avLst/>
+              </a:prstGeom>
+              <a:noFill/>
+              <a:ln>
+                <a:noFill/>
+              </a:ln>
+              <a:extLst>
+                <a:ext uri="{909E8E84-426E-40DD-AFC4-6F175D3DCCD1}">
+                  <a14:hiddenFill xmlns:a14="http://schemas.microsoft.com/office/drawing/2010/main">
+                    <a:solidFill>
+                      <a:srgbClr val="FFFFFF"/>
+                    </a:solidFill>
+                  </a14:hiddenFill>
+                </a:ext>
+                <a:ext uri="{91240B29-F687-4F45-9708-019B960494DF}">
+                  <a14:hiddenLine xmlns:a14="http://schemas.microsoft.com/office/drawing/2010/main" w="9525">
+                    <a:solidFill>
+                      <a:srgbClr val="000000"/>
+                    </a:solidFill>
+                    <a:miter lim="800000"/>
+                    <a:headEnd/>
+                    <a:tailEnd/>
+                  </a14:hiddenLine>
+                </a:ext>
+              </a:extLst>
+            </p:spPr>
+          </p:pic>
+          <p:sp>
+            <p:nvSpPr>
+              <p:cNvPr id="15" name="TextBox 9">
+                <a:extLst>
+                  <a:ext uri="{FF2B5EF4-FFF2-40B4-BE49-F238E27FC236}">
+                    <a16:creationId xmlns:a16="http://schemas.microsoft.com/office/drawing/2014/main" id="{CBCE5A81-1AFA-4265-8442-D1A58580E718}"/>
+                  </a:ext>
+                </a:extLst>
+              </p:cNvPr>
+              <p:cNvSpPr txBox="1">
+                <a:spLocks noChangeArrowheads="1"/>
+              </p:cNvSpPr>
+              <p:nvPr/>
+            </p:nvSpPr>
+            <p:spPr bwMode="auto">
+              <a:xfrm>
+                <a:off x="419622" y="3777985"/>
+                <a:ext cx="755301" cy="276999"/>
+              </a:xfrm>
+              <a:prstGeom prst="rect">
+                <a:avLst/>
+              </a:prstGeom>
+              <a:noFill/>
+              <a:ln>
+                <a:noFill/>
+              </a:ln>
+              <a:extLst>
+                <a:ext uri="{909E8E84-426E-40DD-AFC4-6F175D3DCCD1}">
+                  <a14:hiddenFill xmlns:a14="http://schemas.microsoft.com/office/drawing/2010/main">
+                    <a:solidFill>
+                      <a:srgbClr val="FFFFFF"/>
+                    </a:solidFill>
+                  </a14:hiddenFill>
+                </a:ext>
+                <a:ext uri="{91240B29-F687-4F45-9708-019B960494DF}">
+                  <a14:hiddenLine xmlns:a14="http://schemas.microsoft.com/office/drawing/2010/main" w="9525">
+                    <a:solidFill>
+                      <a:srgbClr val="000000"/>
+                    </a:solidFill>
+                    <a:miter lim="800000"/>
+                    <a:headEnd/>
+                    <a:tailEnd/>
+                  </a14:hiddenLine>
+                </a:ext>
+              </a:extLst>
+            </p:spPr>
+            <p:txBody>
+              <a:bodyPr wrap="square">
+                <a:spAutoFit/>
+              </a:bodyPr>
+              <a:lstStyle>
+                <a:defPPr>
+                  <a:defRPr lang="en-US"/>
+                </a:defPPr>
+                <a:lvl1pPr algn="l" rtl="0" eaLnBrk="0" fontAlgn="base" hangingPunct="0">
+                  <a:spcBef>
+                    <a:spcPct val="0"/>
+                  </a:spcBef>
+                  <a:spcAft>
+                    <a:spcPct val="0"/>
+                  </a:spcAft>
+                  <a:defRPr kern="1200">
+                    <a:solidFill>
+                      <a:schemeClr val="tx1"/>
+                    </a:solidFill>
+                    <a:latin typeface="Calibri" panose="020F0502020204030204" pitchFamily="34" charset="0"/>
+                    <a:ea typeface="+mn-ea"/>
+                    <a:cs typeface="+mn-cs"/>
+                  </a:defRPr>
+                </a:lvl1pPr>
+                <a:lvl2pPr marL="457200" algn="l" rtl="0" eaLnBrk="0" fontAlgn="base" hangingPunct="0">
+                  <a:spcBef>
+                    <a:spcPct val="0"/>
+                  </a:spcBef>
+                  <a:spcAft>
+                    <a:spcPct val="0"/>
+                  </a:spcAft>
+                  <a:defRPr kern="1200">
+                    <a:solidFill>
+                      <a:schemeClr val="tx1"/>
+                    </a:solidFill>
+                    <a:latin typeface="Calibri" panose="020F0502020204030204" pitchFamily="34" charset="0"/>
+                    <a:ea typeface="+mn-ea"/>
+                    <a:cs typeface="+mn-cs"/>
+                  </a:defRPr>
+                </a:lvl2pPr>
+                <a:lvl3pPr marL="914400" algn="l" rtl="0" eaLnBrk="0" fontAlgn="base" hangingPunct="0">
+                  <a:spcBef>
+                    <a:spcPct val="0"/>
+                  </a:spcBef>
+                  <a:spcAft>
+                    <a:spcPct val="0"/>
+                  </a:spcAft>
+                  <a:defRPr kern="1200">
+                    <a:solidFill>
+                      <a:schemeClr val="tx1"/>
+                    </a:solidFill>
+                    <a:latin typeface="Calibri" panose="020F0502020204030204" pitchFamily="34" charset="0"/>
+                    <a:ea typeface="+mn-ea"/>
+                    <a:cs typeface="+mn-cs"/>
+                  </a:defRPr>
+                </a:lvl3pPr>
+                <a:lvl4pPr marL="1371600" algn="l" rtl="0" eaLnBrk="0" fontAlgn="base" hangingPunct="0">
+                  <a:spcBef>
+                    <a:spcPct val="0"/>
+                  </a:spcBef>
+                  <a:spcAft>
+                    <a:spcPct val="0"/>
+                  </a:spcAft>
+                  <a:defRPr kern="1200">
+                    <a:solidFill>
+                      <a:schemeClr val="tx1"/>
+                    </a:solidFill>
+                    <a:latin typeface="Calibri" panose="020F0502020204030204" pitchFamily="34" charset="0"/>
+                    <a:ea typeface="+mn-ea"/>
+                    <a:cs typeface="+mn-cs"/>
+                  </a:defRPr>
+                </a:lvl4pPr>
+                <a:lvl5pPr marL="1828800" algn="l" rtl="0" eaLnBrk="0" fontAlgn="base" hangingPunct="0">
+                  <a:spcBef>
+                    <a:spcPct val="0"/>
+                  </a:spcBef>
+                  <a:spcAft>
+                    <a:spcPct val="0"/>
+                  </a:spcAft>
+                  <a:defRPr kern="1200">
+                    <a:solidFill>
+                      <a:schemeClr val="tx1"/>
+                    </a:solidFill>
+                    <a:latin typeface="Calibri" panose="020F0502020204030204" pitchFamily="34" charset="0"/>
+                    <a:ea typeface="+mn-ea"/>
+                    <a:cs typeface="+mn-cs"/>
+                  </a:defRPr>
+                </a:lvl5pPr>
+                <a:lvl6pPr marL="2286000" algn="l" defTabSz="914400" rtl="0" eaLnBrk="1" latinLnBrk="1" hangingPunct="1">
+                  <a:defRPr kern="1200">
+                    <a:solidFill>
+                      <a:schemeClr val="tx1"/>
+                    </a:solidFill>
+                    <a:latin typeface="Calibri" panose="020F0502020204030204" pitchFamily="34" charset="0"/>
+                    <a:ea typeface="+mn-ea"/>
+                    <a:cs typeface="+mn-cs"/>
+                  </a:defRPr>
+                </a:lvl6pPr>
+                <a:lvl7pPr marL="2743200" algn="l" defTabSz="914400" rtl="0" eaLnBrk="1" latinLnBrk="1" hangingPunct="1">
+                  <a:defRPr kern="1200">
+                    <a:solidFill>
+                      <a:schemeClr val="tx1"/>
+                    </a:solidFill>
+                    <a:latin typeface="Calibri" panose="020F0502020204030204" pitchFamily="34" charset="0"/>
+                    <a:ea typeface="+mn-ea"/>
+                    <a:cs typeface="+mn-cs"/>
+                  </a:defRPr>
+                </a:lvl7pPr>
+                <a:lvl8pPr marL="3200400" algn="l" defTabSz="914400" rtl="0" eaLnBrk="1" latinLnBrk="1" hangingPunct="1">
+                  <a:defRPr kern="1200">
+                    <a:solidFill>
+                      <a:schemeClr val="tx1"/>
+                    </a:solidFill>
+                    <a:latin typeface="Calibri" panose="020F0502020204030204" pitchFamily="34" charset="0"/>
+                    <a:ea typeface="+mn-ea"/>
+                    <a:cs typeface="+mn-cs"/>
+                  </a:defRPr>
+                </a:lvl8pPr>
+                <a:lvl9pPr marL="3657600" algn="l" defTabSz="914400" rtl="0" eaLnBrk="1" latinLnBrk="1" hangingPunct="1">
+                  <a:defRPr kern="1200">
+                    <a:solidFill>
+                      <a:schemeClr val="tx1"/>
+                    </a:solidFill>
+                    <a:latin typeface="Calibri" panose="020F0502020204030204" pitchFamily="34" charset="0"/>
+                    <a:ea typeface="+mn-ea"/>
+                    <a:cs typeface="+mn-cs"/>
+                  </a:defRPr>
+                </a:lvl9pPr>
+              </a:lstStyle>
+              <a:p>
+                <a:pPr algn="ctr" eaLnBrk="1" hangingPunct="1"/>
+                <a:r>
+                  <a:rPr lang="en-US" altLang="en-US" sz="1200" dirty="0">
+                    <a:latin typeface="Arial" panose="020B0604020202020204" pitchFamily="34" charset="0"/>
+                    <a:ea typeface="Amazon Ember" pitchFamily="34" charset="0"/>
+                    <a:cs typeface="Arial" panose="020B0604020202020204" pitchFamily="34" charset="0"/>
+                  </a:rPr>
+                  <a:t>Users</a:t>
+                </a:r>
+              </a:p>
+            </p:txBody>
+          </p:sp>
+        </p:grpSp>
+        <p:pic>
+          <p:nvPicPr>
+            <p:cNvPr id="13" name="Picture 32" descr="chrome icon png 이미지 검색결과">
+              <a:extLst>
+                <a:ext uri="{FF2B5EF4-FFF2-40B4-BE49-F238E27FC236}">
+                  <a16:creationId xmlns:a16="http://schemas.microsoft.com/office/drawing/2014/main" id="{CC076EA6-D752-449B-BB52-1FB840F6AE39}"/>
+                </a:ext>
+              </a:extLst>
+            </p:cNvPr>
+            <p:cNvPicPr>
+              <a:picLocks noChangeAspect="1" noChangeArrowheads="1"/>
+            </p:cNvPicPr>
+            <p:nvPr/>
+          </p:nvPicPr>
+          <p:blipFill>
+            <a:blip r:embed="rId5" cstate="hqprint">
+              <a:extLst>
+                <a:ext uri="{28A0092B-C50C-407E-A947-70E740481C1C}">
+                  <a14:useLocalDpi xmlns:a14="http://schemas.microsoft.com/office/drawing/2010/main" val="0"/>
+                </a:ext>
+              </a:extLst>
+            </a:blip>
+            <a:srcRect/>
+            <a:stretch>
+              <a:fillRect/>
+            </a:stretch>
+          </p:blipFill>
+          <p:spPr bwMode="auto">
+            <a:xfrm>
+              <a:off x="737643" y="3662199"/>
+              <a:ext cx="333909" cy="333909"/>
+            </a:xfrm>
+            <a:prstGeom prst="rect">
+              <a:avLst/>
+            </a:prstGeom>
+            <a:noFill/>
+            <a:extLst>
+              <a:ext uri="{909E8E84-426E-40DD-AFC4-6F175D3DCCD1}">
+                <a14:hiddenFill xmlns:a14="http://schemas.microsoft.com/office/drawing/2010/main">
+                  <a:solidFill>
+                    <a:srgbClr val="FFFFFF"/>
+                  </a:solidFill>
+                </a14:hiddenFill>
+              </a:ext>
+            </a:extLst>
+          </p:spPr>
+        </p:pic>
+      </p:grpSp>
+      <p:cxnSp>
+        <p:nvCxnSpPr>
+          <p:cNvPr id="16" name="직선 화살표 연결선 15">
+            <a:extLst>
+              <a:ext uri="{FF2B5EF4-FFF2-40B4-BE49-F238E27FC236}">
+                <a16:creationId xmlns:a16="http://schemas.microsoft.com/office/drawing/2014/main" id="{4D136151-8885-467D-84A1-5C68CEE31CC7}"/>
+              </a:ext>
+            </a:extLst>
+          </p:cNvPr>
+          <p:cNvCxnSpPr>
+            <a:cxnSpLocks/>
+          </p:cNvCxnSpPr>
+          <p:nvPr/>
+        </p:nvCxnSpPr>
+        <p:spPr>
+          <a:xfrm>
+            <a:off x="2864565" y="1645180"/>
+            <a:ext cx="2845084" cy="0"/>
+          </a:xfrm>
+          <a:prstGeom prst="straightConnector1">
+            <a:avLst/>
+          </a:prstGeom>
+          <a:ln w="25400">
+            <a:tailEnd type="triangle"/>
+          </a:ln>
+        </p:spPr>
+        <p:style>
+          <a:lnRef idx="1">
+            <a:schemeClr val="dk1"/>
+          </a:lnRef>
+          <a:fillRef idx="0">
+            <a:schemeClr val="dk1"/>
+          </a:fillRef>
+          <a:effectRef idx="0">
+            <a:schemeClr val="dk1"/>
+          </a:effectRef>
+          <a:fontRef idx="minor">
+            <a:schemeClr val="tx1"/>
+          </a:fontRef>
+        </p:style>
+      </p:cxnSp>
+      <p:sp>
+        <p:nvSpPr>
+          <p:cNvPr id="21" name="TextBox 20">
+            <a:extLst>
+              <a:ext uri="{FF2B5EF4-FFF2-40B4-BE49-F238E27FC236}">
+                <a16:creationId xmlns:a16="http://schemas.microsoft.com/office/drawing/2014/main" id="{4306E35A-9D93-44D0-904B-3D3224DFAF9A}"/>
+              </a:ext>
+            </a:extLst>
+          </p:cNvPr>
+          <p:cNvSpPr txBox="1"/>
+          <p:nvPr/>
+        </p:nvSpPr>
+        <p:spPr>
+          <a:xfrm>
+            <a:off x="2794043" y="1103145"/>
+            <a:ext cx="3002360" cy="461665"/>
+          </a:xfrm>
+          <a:prstGeom prst="rect">
+            <a:avLst/>
+          </a:prstGeom>
+          <a:noFill/>
+        </p:spPr>
+        <p:txBody>
+          <a:bodyPr wrap="none" rtlCol="0">
+            <a:spAutoFit/>
+          </a:bodyPr>
+          <a:lstStyle/>
+          <a:p>
+            <a:r>
+              <a:rPr lang="en-US" altLang="ko-KR" sz="1200" dirty="0" smtClean="0"/>
+              <a:t>1. </a:t>
+            </a:r>
+            <a:r>
+              <a:rPr lang="en-US" altLang="ko-KR" sz="1200" dirty="0" smtClean="0"/>
+              <a:t>POST/GET</a:t>
+            </a:r>
+            <a:r>
+              <a:rPr lang="en-US" altLang="ko-KR" sz="1200" dirty="0" smtClean="0"/>
+              <a:t> /</a:t>
+            </a:r>
+            <a:r>
+              <a:rPr lang="en-US" altLang="ko-KR" sz="1200" dirty="0" err="1" smtClean="0"/>
+              <a:t>myworkspace</a:t>
+            </a:r>
+            <a:r>
+              <a:rPr lang="en-US" altLang="ko-KR" sz="1200" dirty="0" smtClean="0"/>
+              <a:t>/photos</a:t>
+            </a:r>
+          </a:p>
+          <a:p>
+            <a:r>
+              <a:rPr lang="en-US" altLang="ko-KR" sz="1200" dirty="0" smtClean="0"/>
+              <a:t>Header -&gt; authorization: Bearer </a:t>
+            </a:r>
+            <a:r>
+              <a:rPr lang="ko-KR" altLang="en-US" sz="1200" dirty="0" smtClean="0"/>
+              <a:t>세션</a:t>
+            </a:r>
+            <a:r>
+              <a:rPr lang="en-US" altLang="ko-KR" sz="1200" dirty="0" smtClean="0"/>
+              <a:t>Id</a:t>
+            </a:r>
+            <a:endParaRPr lang="ko-KR" altLang="en-US" sz="1200" dirty="0"/>
+          </a:p>
+        </p:txBody>
+      </p:sp>
+      <p:grpSp>
+        <p:nvGrpSpPr>
+          <p:cNvPr id="27" name="그룹 26">
+            <a:extLst>
+              <a:ext uri="{FF2B5EF4-FFF2-40B4-BE49-F238E27FC236}">
+                <a16:creationId xmlns:a16="http://schemas.microsoft.com/office/drawing/2014/main" id="{1F666C8E-758E-4BE4-B805-0C4809BCD0F4}"/>
+              </a:ext>
+            </a:extLst>
+          </p:cNvPr>
+          <p:cNvGrpSpPr/>
+          <p:nvPr/>
+        </p:nvGrpSpPr>
+        <p:grpSpPr>
+          <a:xfrm>
+            <a:off x="9470621" y="2560604"/>
+            <a:ext cx="1803419" cy="833997"/>
+            <a:chOff x="7881924" y="3158310"/>
+            <a:chExt cx="1803419" cy="833997"/>
+          </a:xfrm>
+        </p:grpSpPr>
+        <p:pic>
+          <p:nvPicPr>
+            <p:cNvPr id="28" name="Picture 4" descr="redis icon png 이미지 검색결과">
+              <a:extLst>
+                <a:ext uri="{FF2B5EF4-FFF2-40B4-BE49-F238E27FC236}">
+                  <a16:creationId xmlns:a16="http://schemas.microsoft.com/office/drawing/2014/main" id="{EA45A31E-8CA7-4F2C-908C-FFA3B9964F1B}"/>
+                </a:ext>
+              </a:extLst>
+            </p:cNvPr>
+            <p:cNvPicPr>
+              <a:picLocks noChangeAspect="1" noChangeArrowheads="1"/>
+            </p:cNvPicPr>
+            <p:nvPr/>
+          </p:nvPicPr>
+          <p:blipFill>
+            <a:blip r:embed="rId6" cstate="hqprint">
+              <a:extLst>
+                <a:ext uri="{28A0092B-C50C-407E-A947-70E740481C1C}">
+                  <a14:useLocalDpi xmlns:a14="http://schemas.microsoft.com/office/drawing/2010/main" val="0"/>
+                </a:ext>
+              </a:extLst>
+            </a:blip>
+            <a:srcRect/>
+            <a:stretch>
+              <a:fillRect/>
+            </a:stretch>
+          </p:blipFill>
+          <p:spPr bwMode="auto">
+            <a:xfrm>
+              <a:off x="8489831" y="3158310"/>
+              <a:ext cx="604675" cy="604675"/>
+            </a:xfrm>
+            <a:prstGeom prst="rect">
+              <a:avLst/>
+            </a:prstGeom>
+            <a:noFill/>
+            <a:extLst>
+              <a:ext uri="{909E8E84-426E-40DD-AFC4-6F175D3DCCD1}">
+                <a14:hiddenFill xmlns:a14="http://schemas.microsoft.com/office/drawing/2010/main">
+                  <a:solidFill>
+                    <a:srgbClr val="FFFFFF"/>
+                  </a:solidFill>
+                </a14:hiddenFill>
+              </a:ext>
+            </a:extLst>
+          </p:spPr>
+        </p:pic>
+        <p:sp>
+          <p:nvSpPr>
+            <p:cNvPr id="29" name="TextBox 6">
+              <a:extLst>
+                <a:ext uri="{FF2B5EF4-FFF2-40B4-BE49-F238E27FC236}">
+                  <a16:creationId xmlns:a16="http://schemas.microsoft.com/office/drawing/2014/main" id="{2E8BA513-6335-402C-B414-6602BF5B8C81}"/>
+                </a:ext>
+              </a:extLst>
+            </p:cNvPr>
+            <p:cNvSpPr txBox="1">
+              <a:spLocks noChangeArrowheads="1"/>
+            </p:cNvSpPr>
+            <p:nvPr/>
+          </p:nvSpPr>
+          <p:spPr bwMode="auto">
+            <a:xfrm>
+              <a:off x="7881924" y="3715308"/>
+              <a:ext cx="1803419" cy="276999"/>
+            </a:xfrm>
+            <a:prstGeom prst="rect">
+              <a:avLst/>
+            </a:prstGeom>
+            <a:noFill/>
+            <a:ln>
+              <a:noFill/>
+            </a:ln>
+            <a:extLst>
+              <a:ext uri="{909E8E84-426E-40DD-AFC4-6F175D3DCCD1}">
+                <a14:hiddenFill xmlns:a14="http://schemas.microsoft.com/office/drawing/2010/main">
+                  <a:solidFill>
+                    <a:srgbClr val="FFFFFF"/>
+                  </a:solidFill>
+                </a14:hiddenFill>
+              </a:ext>
+              <a:ext uri="{91240B29-F687-4F45-9708-019B960494DF}">
+                <a14:hiddenLine xmlns:a14="http://schemas.microsoft.com/office/drawing/2010/main" w="9525">
+                  <a:solidFill>
+                    <a:srgbClr val="000000"/>
+                  </a:solidFill>
+                  <a:miter lim="800000"/>
+                  <a:headEnd/>
+                  <a:tailEnd/>
+                </a14:hiddenLine>
+              </a:ext>
+            </a:extLst>
+          </p:spPr>
+          <p:txBody>
+            <a:bodyPr wrap="square">
+              <a:spAutoFit/>
+            </a:bodyPr>
+            <a:lstStyle>
+              <a:defPPr>
+                <a:defRPr lang="en-US"/>
+              </a:defPPr>
+              <a:lvl1pPr algn="l" rtl="0" eaLnBrk="0" fontAlgn="base" hangingPunct="0">
+                <a:spcBef>
+                  <a:spcPct val="0"/>
+                </a:spcBef>
+                <a:spcAft>
+                  <a:spcPct val="0"/>
+                </a:spcAft>
+                <a:defRPr kern="1200">
+                  <a:solidFill>
+                    <a:schemeClr val="tx1"/>
+                  </a:solidFill>
+                  <a:latin typeface="Calibri" panose="020F0502020204030204" pitchFamily="34" charset="0"/>
+                  <a:ea typeface="+mn-ea"/>
+                  <a:cs typeface="+mn-cs"/>
+                </a:defRPr>
+              </a:lvl1pPr>
+              <a:lvl2pPr marL="457200" algn="l" rtl="0" eaLnBrk="0" fontAlgn="base" hangingPunct="0">
+                <a:spcBef>
+                  <a:spcPct val="0"/>
+                </a:spcBef>
+                <a:spcAft>
+                  <a:spcPct val="0"/>
+                </a:spcAft>
+                <a:defRPr kern="1200">
+                  <a:solidFill>
+                    <a:schemeClr val="tx1"/>
+                  </a:solidFill>
+                  <a:latin typeface="Calibri" panose="020F0502020204030204" pitchFamily="34" charset="0"/>
+                  <a:ea typeface="+mn-ea"/>
+                  <a:cs typeface="+mn-cs"/>
+                </a:defRPr>
+              </a:lvl2pPr>
+              <a:lvl3pPr marL="914400" algn="l" rtl="0" eaLnBrk="0" fontAlgn="base" hangingPunct="0">
+                <a:spcBef>
+                  <a:spcPct val="0"/>
+                </a:spcBef>
+                <a:spcAft>
+                  <a:spcPct val="0"/>
+                </a:spcAft>
+                <a:defRPr kern="1200">
+                  <a:solidFill>
+                    <a:schemeClr val="tx1"/>
+                  </a:solidFill>
+                  <a:latin typeface="Calibri" panose="020F0502020204030204" pitchFamily="34" charset="0"/>
+                  <a:ea typeface="+mn-ea"/>
+                  <a:cs typeface="+mn-cs"/>
+                </a:defRPr>
+              </a:lvl3pPr>
+              <a:lvl4pPr marL="1371600" algn="l" rtl="0" eaLnBrk="0" fontAlgn="base" hangingPunct="0">
+                <a:spcBef>
+                  <a:spcPct val="0"/>
+                </a:spcBef>
+                <a:spcAft>
+                  <a:spcPct val="0"/>
+                </a:spcAft>
+                <a:defRPr kern="1200">
+                  <a:solidFill>
+                    <a:schemeClr val="tx1"/>
+                  </a:solidFill>
+                  <a:latin typeface="Calibri" panose="020F0502020204030204" pitchFamily="34" charset="0"/>
+                  <a:ea typeface="+mn-ea"/>
+                  <a:cs typeface="+mn-cs"/>
+                </a:defRPr>
+              </a:lvl4pPr>
+              <a:lvl5pPr marL="1828800" algn="l" rtl="0" eaLnBrk="0" fontAlgn="base" hangingPunct="0">
+                <a:spcBef>
+                  <a:spcPct val="0"/>
+                </a:spcBef>
+                <a:spcAft>
+                  <a:spcPct val="0"/>
+                </a:spcAft>
+                <a:defRPr kern="1200">
+                  <a:solidFill>
+                    <a:schemeClr val="tx1"/>
+                  </a:solidFill>
+                  <a:latin typeface="Calibri" panose="020F0502020204030204" pitchFamily="34" charset="0"/>
+                  <a:ea typeface="+mn-ea"/>
+                  <a:cs typeface="+mn-cs"/>
+                </a:defRPr>
+              </a:lvl5pPr>
+              <a:lvl6pPr marL="2286000" algn="l" defTabSz="914400" rtl="0" eaLnBrk="1" latinLnBrk="1" hangingPunct="1">
+                <a:defRPr kern="1200">
+                  <a:solidFill>
+                    <a:schemeClr val="tx1"/>
+                  </a:solidFill>
+                  <a:latin typeface="Calibri" panose="020F0502020204030204" pitchFamily="34" charset="0"/>
+                  <a:ea typeface="+mn-ea"/>
+                  <a:cs typeface="+mn-cs"/>
+                </a:defRPr>
+              </a:lvl6pPr>
+              <a:lvl7pPr marL="2743200" algn="l" defTabSz="914400" rtl="0" eaLnBrk="1" latinLnBrk="1" hangingPunct="1">
+                <a:defRPr kern="1200">
+                  <a:solidFill>
+                    <a:schemeClr val="tx1"/>
+                  </a:solidFill>
+                  <a:latin typeface="Calibri" panose="020F0502020204030204" pitchFamily="34" charset="0"/>
+                  <a:ea typeface="+mn-ea"/>
+                  <a:cs typeface="+mn-cs"/>
+                </a:defRPr>
+              </a:lvl7pPr>
+              <a:lvl8pPr marL="3200400" algn="l" defTabSz="914400" rtl="0" eaLnBrk="1" latinLnBrk="1" hangingPunct="1">
+                <a:defRPr kern="1200">
+                  <a:solidFill>
+                    <a:schemeClr val="tx1"/>
+                  </a:solidFill>
+                  <a:latin typeface="Calibri" panose="020F0502020204030204" pitchFamily="34" charset="0"/>
+                  <a:ea typeface="+mn-ea"/>
+                  <a:cs typeface="+mn-cs"/>
+                </a:defRPr>
+              </a:lvl8pPr>
+              <a:lvl9pPr marL="3657600" algn="l" defTabSz="914400" rtl="0" eaLnBrk="1" latinLnBrk="1" hangingPunct="1">
+                <a:defRPr kern="1200">
+                  <a:solidFill>
+                    <a:schemeClr val="tx1"/>
+                  </a:solidFill>
+                  <a:latin typeface="Calibri" panose="020F0502020204030204" pitchFamily="34" charset="0"/>
+                  <a:ea typeface="+mn-ea"/>
+                  <a:cs typeface="+mn-cs"/>
+                </a:defRPr>
+              </a:lvl9pPr>
+            </a:lstStyle>
+            <a:p>
+              <a:pPr algn="ctr" eaLnBrk="1" hangingPunct="1"/>
+              <a:r>
+                <a:rPr lang="en-US" altLang="en-US" sz="1200" dirty="0">
+                  <a:latin typeface="Arial" panose="020B0604020202020204" pitchFamily="34" charset="0"/>
+                  <a:ea typeface="Amazon Ember" pitchFamily="34" charset="0"/>
+                  <a:cs typeface="Arial" panose="020B0604020202020204" pitchFamily="34" charset="0"/>
+                </a:rPr>
+                <a:t>Redis Session</a:t>
+              </a:r>
+            </a:p>
+          </p:txBody>
+        </p:sp>
+      </p:grpSp>
+      <p:cxnSp>
+        <p:nvCxnSpPr>
+          <p:cNvPr id="30" name="직선 화살표 연결선 29">
+            <a:extLst>
+              <a:ext uri="{FF2B5EF4-FFF2-40B4-BE49-F238E27FC236}">
+                <a16:creationId xmlns:a16="http://schemas.microsoft.com/office/drawing/2014/main" id="{4D136151-8885-467D-84A1-5C68CEE31CC7}"/>
+              </a:ext>
+            </a:extLst>
+          </p:cNvPr>
+          <p:cNvCxnSpPr>
+            <a:cxnSpLocks/>
+          </p:cNvCxnSpPr>
+          <p:nvPr/>
+        </p:nvCxnSpPr>
+        <p:spPr>
+          <a:xfrm flipH="1">
+            <a:off x="7494484" y="3107146"/>
+            <a:ext cx="1903203" cy="0"/>
+          </a:xfrm>
+          <a:prstGeom prst="straightConnector1">
+            <a:avLst/>
+          </a:prstGeom>
+          <a:ln w="25400">
+            <a:tailEnd type="triangle"/>
+          </a:ln>
+        </p:spPr>
+        <p:style>
+          <a:lnRef idx="1">
+            <a:schemeClr val="dk1"/>
+          </a:lnRef>
+          <a:fillRef idx="0">
+            <a:schemeClr val="dk1"/>
+          </a:fillRef>
+          <a:effectRef idx="0">
+            <a:schemeClr val="dk1"/>
+          </a:effectRef>
+          <a:fontRef idx="minor">
+            <a:schemeClr val="tx1"/>
+          </a:fontRef>
+        </p:style>
+      </p:cxnSp>
+      <p:sp>
+        <p:nvSpPr>
+          <p:cNvPr id="36" name="TextBox 35">
+            <a:extLst>
+              <a:ext uri="{FF2B5EF4-FFF2-40B4-BE49-F238E27FC236}">
+                <a16:creationId xmlns:a16="http://schemas.microsoft.com/office/drawing/2014/main" id="{4306E35A-9D93-44D0-904B-3D3224DFAF9A}"/>
+              </a:ext>
+            </a:extLst>
+          </p:cNvPr>
+          <p:cNvSpPr txBox="1"/>
+          <p:nvPr/>
+        </p:nvSpPr>
+        <p:spPr>
+          <a:xfrm>
+            <a:off x="7509828" y="2724441"/>
+            <a:ext cx="1960793" cy="276999"/>
+          </a:xfrm>
+          <a:prstGeom prst="rect">
+            <a:avLst/>
+          </a:prstGeom>
+          <a:noFill/>
+        </p:spPr>
+        <p:txBody>
+          <a:bodyPr wrap="none" rtlCol="0">
+            <a:spAutoFit/>
+          </a:bodyPr>
+          <a:lstStyle/>
+          <a:p>
+            <a:r>
+              <a:rPr lang="en-US" altLang="ko-KR" sz="1200" dirty="0"/>
+              <a:t>2</a:t>
+            </a:r>
+            <a:r>
+              <a:rPr lang="en-US" altLang="ko-KR" sz="1200" dirty="0" smtClean="0"/>
+              <a:t>. </a:t>
+            </a:r>
+            <a:r>
+              <a:rPr lang="ko-KR" altLang="en-US" sz="1200" dirty="0" smtClean="0"/>
+              <a:t>세션 </a:t>
+            </a:r>
+            <a:r>
+              <a:rPr lang="ko-KR" altLang="en-US" sz="1200" dirty="0" smtClean="0"/>
+              <a:t>프로필 </a:t>
+            </a:r>
+            <a:r>
+              <a:rPr lang="ko-KR" altLang="en-US" sz="1200" dirty="0" smtClean="0"/>
+              <a:t>정보  </a:t>
+            </a:r>
+            <a:r>
+              <a:rPr lang="ko-KR" altLang="en-US" sz="1200" dirty="0" smtClean="0"/>
+              <a:t>조회</a:t>
+            </a:r>
+            <a:endParaRPr lang="en-US" altLang="ko-KR" sz="1200" dirty="0" smtClean="0"/>
+          </a:p>
+        </p:txBody>
+      </p:sp>
+      <p:pic>
+        <p:nvPicPr>
+          <p:cNvPr id="40" name="Graphic 23">
+            <a:extLst>
+              <a:ext uri="{FF2B5EF4-FFF2-40B4-BE49-F238E27FC236}">
+                <a16:creationId xmlns:a16="http://schemas.microsoft.com/office/drawing/2014/main" id="{5F808509-BD20-42DE-BE4C-9FD915E763BD}"/>
+              </a:ext>
+            </a:extLst>
+          </p:cNvPr>
+          <p:cNvPicPr>
+            <a:picLocks noChangeAspect="1" noChangeArrowheads="1"/>
+          </p:cNvPicPr>
+          <p:nvPr/>
+        </p:nvPicPr>
+        <p:blipFill>
+          <a:blip r:embed="rId3" cstate="hqprint">
+            <a:extLst>
+              <a:ext uri="{28A0092B-C50C-407E-A947-70E740481C1C}">
+                <a14:useLocalDpi xmlns:a14="http://schemas.microsoft.com/office/drawing/2010/main" val="0"/>
+              </a:ext>
+            </a:extLst>
+          </a:blip>
+          <a:srcRect/>
+          <a:stretch>
+            <a:fillRect/>
+          </a:stretch>
+        </p:blipFill>
+        <p:spPr bwMode="auto">
+          <a:xfrm>
+            <a:off x="5989702" y="4078035"/>
+            <a:ext cx="330200" cy="330200"/>
+          </a:xfrm>
+          <a:prstGeom prst="rect">
+            <a:avLst/>
+          </a:prstGeom>
+          <a:noFill/>
+          <a:ln>
+            <a:noFill/>
+          </a:ln>
+          <a:extLst>
+            <a:ext uri="{909E8E84-426E-40DD-AFC4-6F175D3DCCD1}">
+              <a14:hiddenFill xmlns:a14="http://schemas.microsoft.com/office/drawing/2010/main">
+                <a:solidFill>
+                  <a:srgbClr val="FFFFFF"/>
+                </a:solidFill>
+              </a14:hiddenFill>
+            </a:ext>
+            <a:ext uri="{91240B29-F687-4F45-9708-019B960494DF}">
+              <a14:hiddenLine xmlns:a14="http://schemas.microsoft.com/office/drawing/2010/main" w="9525">
+                <a:solidFill>
+                  <a:srgbClr val="000000"/>
+                </a:solidFill>
+                <a:miter lim="800000"/>
+                <a:headEnd/>
+                <a:tailEnd/>
+              </a14:hiddenLine>
+            </a:ext>
+          </a:extLst>
+        </p:spPr>
+      </p:pic>
+      <p:sp>
+        <p:nvSpPr>
+          <p:cNvPr id="41" name="Rectangle 31">
+            <a:extLst>
+              <a:ext uri="{FF2B5EF4-FFF2-40B4-BE49-F238E27FC236}">
+                <a16:creationId xmlns:a16="http://schemas.microsoft.com/office/drawing/2014/main" id="{56D7E570-4FE2-2F46-A39D-E8C015BB79A5}"/>
+              </a:ext>
+            </a:extLst>
+          </p:cNvPr>
+          <p:cNvSpPr/>
+          <p:nvPr/>
+        </p:nvSpPr>
+        <p:spPr>
+          <a:xfrm>
+            <a:off x="6006449" y="4078035"/>
+            <a:ext cx="1826634" cy="1614135"/>
+          </a:xfrm>
+          <a:prstGeom prst="rect">
+            <a:avLst/>
+          </a:prstGeom>
+          <a:noFill/>
+          <a:ln w="12700">
+            <a:solidFill>
+              <a:srgbClr val="D86613"/>
+            </a:solidFill>
+          </a:ln>
+        </p:spPr>
+        <p:style>
+          <a:lnRef idx="2">
+            <a:schemeClr val="accent1">
+              <a:shade val="50000"/>
+            </a:schemeClr>
+          </a:lnRef>
+          <a:fillRef idx="1">
+            <a:schemeClr val="accent1"/>
+          </a:fillRef>
+          <a:effectRef idx="0">
+            <a:schemeClr val="accent1"/>
+          </a:effectRef>
+          <a:fontRef idx="minor">
+            <a:schemeClr val="lt1"/>
+          </a:fontRef>
+        </p:style>
+        <p:txBody>
+          <a:bodyPr lIns="457200" tIns="91440"/>
+          <a:lstStyle>
+            <a:defPPr>
+              <a:defRPr lang="en-US"/>
+            </a:defPPr>
+            <a:lvl1pPr algn="l" rtl="0" eaLnBrk="0" fontAlgn="base" hangingPunct="0">
+              <a:spcBef>
+                <a:spcPct val="0"/>
+              </a:spcBef>
+              <a:spcAft>
+                <a:spcPct val="0"/>
+              </a:spcAft>
+              <a:defRPr kern="1200">
+                <a:solidFill>
+                  <a:schemeClr val="lt1"/>
+                </a:solidFill>
+                <a:latin typeface="+mn-lt"/>
+                <a:ea typeface="+mn-ea"/>
+                <a:cs typeface="+mn-cs"/>
+              </a:defRPr>
+            </a:lvl1pPr>
+            <a:lvl2pPr marL="457200" algn="l" rtl="0" eaLnBrk="0" fontAlgn="base" hangingPunct="0">
+              <a:spcBef>
+                <a:spcPct val="0"/>
+              </a:spcBef>
+              <a:spcAft>
+                <a:spcPct val="0"/>
+              </a:spcAft>
+              <a:defRPr kern="1200">
+                <a:solidFill>
+                  <a:schemeClr val="lt1"/>
+                </a:solidFill>
+                <a:latin typeface="+mn-lt"/>
+                <a:ea typeface="+mn-ea"/>
+                <a:cs typeface="+mn-cs"/>
+              </a:defRPr>
+            </a:lvl2pPr>
+            <a:lvl3pPr marL="914400" algn="l" rtl="0" eaLnBrk="0" fontAlgn="base" hangingPunct="0">
+              <a:spcBef>
+                <a:spcPct val="0"/>
+              </a:spcBef>
+              <a:spcAft>
+                <a:spcPct val="0"/>
+              </a:spcAft>
+              <a:defRPr kern="1200">
+                <a:solidFill>
+                  <a:schemeClr val="lt1"/>
+                </a:solidFill>
+                <a:latin typeface="+mn-lt"/>
+                <a:ea typeface="+mn-ea"/>
+                <a:cs typeface="+mn-cs"/>
+              </a:defRPr>
+            </a:lvl3pPr>
+            <a:lvl4pPr marL="1371600" algn="l" rtl="0" eaLnBrk="0" fontAlgn="base" hangingPunct="0">
+              <a:spcBef>
+                <a:spcPct val="0"/>
+              </a:spcBef>
+              <a:spcAft>
+                <a:spcPct val="0"/>
+              </a:spcAft>
+              <a:defRPr kern="1200">
+                <a:solidFill>
+                  <a:schemeClr val="lt1"/>
+                </a:solidFill>
+                <a:latin typeface="+mn-lt"/>
+                <a:ea typeface="+mn-ea"/>
+                <a:cs typeface="+mn-cs"/>
+              </a:defRPr>
+            </a:lvl4pPr>
+            <a:lvl5pPr marL="1828800" algn="l" rtl="0" eaLnBrk="0" fontAlgn="base" hangingPunct="0">
+              <a:spcBef>
+                <a:spcPct val="0"/>
+              </a:spcBef>
+              <a:spcAft>
+                <a:spcPct val="0"/>
+              </a:spcAft>
+              <a:defRPr kern="1200">
+                <a:solidFill>
+                  <a:schemeClr val="lt1"/>
+                </a:solidFill>
+                <a:latin typeface="+mn-lt"/>
+                <a:ea typeface="+mn-ea"/>
+                <a:cs typeface="+mn-cs"/>
+              </a:defRPr>
+            </a:lvl5pPr>
+            <a:lvl6pPr marL="2286000" algn="l" defTabSz="914400" rtl="0" eaLnBrk="1" latinLnBrk="1" hangingPunct="1">
+              <a:defRPr kern="1200">
+                <a:solidFill>
+                  <a:schemeClr val="lt1"/>
+                </a:solidFill>
+                <a:latin typeface="+mn-lt"/>
+                <a:ea typeface="+mn-ea"/>
+                <a:cs typeface="+mn-cs"/>
+              </a:defRPr>
+            </a:lvl6pPr>
+            <a:lvl7pPr marL="2743200" algn="l" defTabSz="914400" rtl="0" eaLnBrk="1" latinLnBrk="1" hangingPunct="1">
+              <a:defRPr kern="1200">
+                <a:solidFill>
+                  <a:schemeClr val="lt1"/>
+                </a:solidFill>
+                <a:latin typeface="+mn-lt"/>
+                <a:ea typeface="+mn-ea"/>
+                <a:cs typeface="+mn-cs"/>
+              </a:defRPr>
+            </a:lvl7pPr>
+            <a:lvl8pPr marL="3200400" algn="l" defTabSz="914400" rtl="0" eaLnBrk="1" latinLnBrk="1" hangingPunct="1">
+              <a:defRPr kern="1200">
+                <a:solidFill>
+                  <a:schemeClr val="lt1"/>
+                </a:solidFill>
+                <a:latin typeface="+mn-lt"/>
+                <a:ea typeface="+mn-ea"/>
+                <a:cs typeface="+mn-cs"/>
+              </a:defRPr>
+            </a:lvl8pPr>
+            <a:lvl9pPr marL="3657600" algn="l" defTabSz="914400" rtl="0" eaLnBrk="1" latinLnBrk="1" hangingPunct="1">
+              <a:defRPr kern="1200">
+                <a:solidFill>
+                  <a:schemeClr val="lt1"/>
+                </a:solidFill>
+                <a:latin typeface="+mn-lt"/>
+                <a:ea typeface="+mn-ea"/>
+                <a:cs typeface="+mn-cs"/>
+              </a:defRPr>
+            </a:lvl9pPr>
+          </a:lstStyle>
+          <a:p>
+            <a:pPr eaLnBrk="1" fontAlgn="auto" hangingPunct="1">
+              <a:spcBef>
+                <a:spcPts val="0"/>
+              </a:spcBef>
+              <a:spcAft>
+                <a:spcPts val="0"/>
+              </a:spcAft>
+              <a:defRPr/>
+            </a:pPr>
+            <a:endParaRPr lang="en-US" sz="1200" dirty="0">
+              <a:ln w="0"/>
+              <a:solidFill>
+                <a:srgbClr val="D86613"/>
+              </a:solidFill>
+              <a:latin typeface="Arial" panose="020B0604020202020204" pitchFamily="34" charset="0"/>
+              <a:cs typeface="Arial" panose="020B0604020202020204" pitchFamily="34" charset="0"/>
+            </a:endParaRPr>
+          </a:p>
+        </p:txBody>
+      </p:sp>
+      <p:grpSp>
+        <p:nvGrpSpPr>
+          <p:cNvPr id="43" name="그룹 42">
+            <a:extLst>
+              <a:ext uri="{FF2B5EF4-FFF2-40B4-BE49-F238E27FC236}">
+                <a16:creationId xmlns:a16="http://schemas.microsoft.com/office/drawing/2014/main" id="{34A39659-D04E-47C3-888A-C6BF13750AC5}"/>
+              </a:ext>
+            </a:extLst>
+          </p:cNvPr>
+          <p:cNvGrpSpPr/>
+          <p:nvPr/>
+        </p:nvGrpSpPr>
+        <p:grpSpPr>
+          <a:xfrm>
+            <a:off x="6377384" y="2487415"/>
+            <a:ext cx="1231449" cy="1045707"/>
+            <a:chOff x="6788052" y="1646403"/>
+            <a:chExt cx="1231449" cy="1045707"/>
+          </a:xfrm>
+        </p:grpSpPr>
+        <p:pic>
+          <p:nvPicPr>
+            <p:cNvPr id="44" name="Picture 14" descr="spring boot icon png 이미지 검색결과">
+              <a:extLst>
+                <a:ext uri="{FF2B5EF4-FFF2-40B4-BE49-F238E27FC236}">
+                  <a16:creationId xmlns:a16="http://schemas.microsoft.com/office/drawing/2014/main" id="{E8990910-C8B1-4E0E-84DF-82CE59475ADA}"/>
+                </a:ext>
+              </a:extLst>
+            </p:cNvPr>
+            <p:cNvPicPr>
+              <a:picLocks noChangeAspect="1" noChangeArrowheads="1"/>
+            </p:cNvPicPr>
+            <p:nvPr/>
+          </p:nvPicPr>
+          <p:blipFill>
+            <a:blip r:embed="rId7" cstate="hqprint">
+              <a:extLst>
+                <a:ext uri="{28A0092B-C50C-407E-A947-70E740481C1C}">
+                  <a14:useLocalDpi xmlns:a14="http://schemas.microsoft.com/office/drawing/2010/main" val="0"/>
+                </a:ext>
+              </a:extLst>
+            </a:blip>
+            <a:srcRect/>
+            <a:stretch>
+              <a:fillRect/>
+            </a:stretch>
+          </p:blipFill>
+          <p:spPr bwMode="auto">
+            <a:xfrm>
+              <a:off x="6826441" y="1646403"/>
+              <a:ext cx="1045707" cy="1045707"/>
+            </a:xfrm>
+            <a:prstGeom prst="rect">
+              <a:avLst/>
+            </a:prstGeom>
+            <a:noFill/>
+            <a:extLst>
+              <a:ext uri="{909E8E84-426E-40DD-AFC4-6F175D3DCCD1}">
+                <a14:hiddenFill xmlns:a14="http://schemas.microsoft.com/office/drawing/2010/main">
+                  <a:solidFill>
+                    <a:srgbClr val="FFFFFF"/>
+                  </a:solidFill>
+                </a14:hiddenFill>
+              </a:ext>
+            </a:extLst>
+          </p:spPr>
+        </p:pic>
+        <p:sp>
+          <p:nvSpPr>
+            <p:cNvPr id="45" name="TextBox 6">
+              <a:extLst>
+                <a:ext uri="{FF2B5EF4-FFF2-40B4-BE49-F238E27FC236}">
+                  <a16:creationId xmlns:a16="http://schemas.microsoft.com/office/drawing/2014/main" id="{296790AE-2623-455C-91A8-4C89B44A0F06}"/>
+                </a:ext>
+              </a:extLst>
+            </p:cNvPr>
+            <p:cNvSpPr txBox="1">
+              <a:spLocks noChangeArrowheads="1"/>
+            </p:cNvSpPr>
+            <p:nvPr/>
+          </p:nvSpPr>
+          <p:spPr bwMode="auto">
+            <a:xfrm>
+              <a:off x="6788052" y="2403872"/>
+              <a:ext cx="1231449" cy="276999"/>
+            </a:xfrm>
+            <a:prstGeom prst="rect">
+              <a:avLst/>
+            </a:prstGeom>
+            <a:noFill/>
+            <a:ln>
+              <a:noFill/>
+            </a:ln>
+            <a:extLst>
+              <a:ext uri="{909E8E84-426E-40DD-AFC4-6F175D3DCCD1}">
+                <a14:hiddenFill xmlns:a14="http://schemas.microsoft.com/office/drawing/2010/main">
+                  <a:solidFill>
+                    <a:srgbClr val="FFFFFF"/>
+                  </a:solidFill>
+                </a14:hiddenFill>
+              </a:ext>
+              <a:ext uri="{91240B29-F687-4F45-9708-019B960494DF}">
+                <a14:hiddenLine xmlns:a14="http://schemas.microsoft.com/office/drawing/2010/main" w="9525">
+                  <a:solidFill>
+                    <a:srgbClr val="000000"/>
+                  </a:solidFill>
+                  <a:miter lim="800000"/>
+                  <a:headEnd/>
+                  <a:tailEnd/>
+                </a14:hiddenLine>
+              </a:ext>
+            </a:extLst>
+          </p:spPr>
+          <p:txBody>
+            <a:bodyPr wrap="square">
+              <a:spAutoFit/>
+            </a:bodyPr>
+            <a:lstStyle>
+              <a:defPPr>
+                <a:defRPr lang="en-US"/>
+              </a:defPPr>
+              <a:lvl1pPr algn="l" rtl="0" eaLnBrk="0" fontAlgn="base" hangingPunct="0">
+                <a:spcBef>
+                  <a:spcPct val="0"/>
+                </a:spcBef>
+                <a:spcAft>
+                  <a:spcPct val="0"/>
+                </a:spcAft>
+                <a:defRPr kern="1200">
+                  <a:solidFill>
+                    <a:schemeClr val="tx1"/>
+                  </a:solidFill>
+                  <a:latin typeface="Calibri" panose="020F0502020204030204" pitchFamily="34" charset="0"/>
+                  <a:ea typeface="+mn-ea"/>
+                  <a:cs typeface="+mn-cs"/>
+                </a:defRPr>
+              </a:lvl1pPr>
+              <a:lvl2pPr marL="457200" algn="l" rtl="0" eaLnBrk="0" fontAlgn="base" hangingPunct="0">
+                <a:spcBef>
+                  <a:spcPct val="0"/>
+                </a:spcBef>
+                <a:spcAft>
+                  <a:spcPct val="0"/>
+                </a:spcAft>
+                <a:defRPr kern="1200">
+                  <a:solidFill>
+                    <a:schemeClr val="tx1"/>
+                  </a:solidFill>
+                  <a:latin typeface="Calibri" panose="020F0502020204030204" pitchFamily="34" charset="0"/>
+                  <a:ea typeface="+mn-ea"/>
+                  <a:cs typeface="+mn-cs"/>
+                </a:defRPr>
+              </a:lvl2pPr>
+              <a:lvl3pPr marL="914400" algn="l" rtl="0" eaLnBrk="0" fontAlgn="base" hangingPunct="0">
+                <a:spcBef>
+                  <a:spcPct val="0"/>
+                </a:spcBef>
+                <a:spcAft>
+                  <a:spcPct val="0"/>
+                </a:spcAft>
+                <a:defRPr kern="1200">
+                  <a:solidFill>
+                    <a:schemeClr val="tx1"/>
+                  </a:solidFill>
+                  <a:latin typeface="Calibri" panose="020F0502020204030204" pitchFamily="34" charset="0"/>
+                  <a:ea typeface="+mn-ea"/>
+                  <a:cs typeface="+mn-cs"/>
+                </a:defRPr>
+              </a:lvl3pPr>
+              <a:lvl4pPr marL="1371600" algn="l" rtl="0" eaLnBrk="0" fontAlgn="base" hangingPunct="0">
+                <a:spcBef>
+                  <a:spcPct val="0"/>
+                </a:spcBef>
+                <a:spcAft>
+                  <a:spcPct val="0"/>
+                </a:spcAft>
+                <a:defRPr kern="1200">
+                  <a:solidFill>
+                    <a:schemeClr val="tx1"/>
+                  </a:solidFill>
+                  <a:latin typeface="Calibri" panose="020F0502020204030204" pitchFamily="34" charset="0"/>
+                  <a:ea typeface="+mn-ea"/>
+                  <a:cs typeface="+mn-cs"/>
+                </a:defRPr>
+              </a:lvl4pPr>
+              <a:lvl5pPr marL="1828800" algn="l" rtl="0" eaLnBrk="0" fontAlgn="base" hangingPunct="0">
+                <a:spcBef>
+                  <a:spcPct val="0"/>
+                </a:spcBef>
+                <a:spcAft>
+                  <a:spcPct val="0"/>
+                </a:spcAft>
+                <a:defRPr kern="1200">
+                  <a:solidFill>
+                    <a:schemeClr val="tx1"/>
+                  </a:solidFill>
+                  <a:latin typeface="Calibri" panose="020F0502020204030204" pitchFamily="34" charset="0"/>
+                  <a:ea typeface="+mn-ea"/>
+                  <a:cs typeface="+mn-cs"/>
+                </a:defRPr>
+              </a:lvl5pPr>
+              <a:lvl6pPr marL="2286000" algn="l" defTabSz="914400" rtl="0" eaLnBrk="1" latinLnBrk="1" hangingPunct="1">
+                <a:defRPr kern="1200">
+                  <a:solidFill>
+                    <a:schemeClr val="tx1"/>
+                  </a:solidFill>
+                  <a:latin typeface="Calibri" panose="020F0502020204030204" pitchFamily="34" charset="0"/>
+                  <a:ea typeface="+mn-ea"/>
+                  <a:cs typeface="+mn-cs"/>
+                </a:defRPr>
+              </a:lvl6pPr>
+              <a:lvl7pPr marL="2743200" algn="l" defTabSz="914400" rtl="0" eaLnBrk="1" latinLnBrk="1" hangingPunct="1">
+                <a:defRPr kern="1200">
+                  <a:solidFill>
+                    <a:schemeClr val="tx1"/>
+                  </a:solidFill>
+                  <a:latin typeface="Calibri" panose="020F0502020204030204" pitchFamily="34" charset="0"/>
+                  <a:ea typeface="+mn-ea"/>
+                  <a:cs typeface="+mn-cs"/>
+                </a:defRPr>
+              </a:lvl7pPr>
+              <a:lvl8pPr marL="3200400" algn="l" defTabSz="914400" rtl="0" eaLnBrk="1" latinLnBrk="1" hangingPunct="1">
+                <a:defRPr kern="1200">
+                  <a:solidFill>
+                    <a:schemeClr val="tx1"/>
+                  </a:solidFill>
+                  <a:latin typeface="Calibri" panose="020F0502020204030204" pitchFamily="34" charset="0"/>
+                  <a:ea typeface="+mn-ea"/>
+                  <a:cs typeface="+mn-cs"/>
+                </a:defRPr>
+              </a:lvl8pPr>
+              <a:lvl9pPr marL="3657600" algn="l" defTabSz="914400" rtl="0" eaLnBrk="1" latinLnBrk="1" hangingPunct="1">
+                <a:defRPr kern="1200">
+                  <a:solidFill>
+                    <a:schemeClr val="tx1"/>
+                  </a:solidFill>
+                  <a:latin typeface="Calibri" panose="020F0502020204030204" pitchFamily="34" charset="0"/>
+                  <a:ea typeface="+mn-ea"/>
+                  <a:cs typeface="+mn-cs"/>
+                </a:defRPr>
+              </a:lvl9pPr>
+            </a:lstStyle>
+            <a:p>
+              <a:pPr algn="ctr" eaLnBrk="1" hangingPunct="1"/>
+              <a:r>
+                <a:rPr lang="en-US" altLang="en-US" sz="1200" dirty="0" err="1" smtClean="0">
+                  <a:latin typeface="Arial" panose="020B0604020202020204" pitchFamily="34" charset="0"/>
+                  <a:ea typeface="Amazon Ember" pitchFamily="34" charset="0"/>
+                  <a:cs typeface="Arial" panose="020B0604020202020204" pitchFamily="34" charset="0"/>
+                </a:rPr>
+                <a:t>SessionFilter</a:t>
+              </a:r>
+              <a:endParaRPr lang="en-US" altLang="en-US" sz="1200" dirty="0">
+                <a:latin typeface="Arial" panose="020B0604020202020204" pitchFamily="34" charset="0"/>
+                <a:ea typeface="Amazon Ember" pitchFamily="34" charset="0"/>
+                <a:cs typeface="Arial" panose="020B0604020202020204" pitchFamily="34" charset="0"/>
+              </a:endParaRPr>
+            </a:p>
+          </p:txBody>
+        </p:sp>
+      </p:grpSp>
+      <p:cxnSp>
+        <p:nvCxnSpPr>
+          <p:cNvPr id="46" name="직선 화살표 연결선 45"/>
+          <p:cNvCxnSpPr/>
+          <p:nvPr/>
+        </p:nvCxnSpPr>
+        <p:spPr>
+          <a:xfrm flipH="1">
+            <a:off x="6940178" y="1951883"/>
+            <a:ext cx="1" cy="633147"/>
+          </a:xfrm>
+          <a:prstGeom prst="straightConnector1">
+            <a:avLst/>
+          </a:prstGeom>
+          <a:ln w="25400">
+            <a:tailEnd type="triangle"/>
+          </a:ln>
+        </p:spPr>
+        <p:style>
+          <a:lnRef idx="1">
+            <a:schemeClr val="dk1"/>
+          </a:lnRef>
+          <a:fillRef idx="0">
+            <a:schemeClr val="dk1"/>
+          </a:fillRef>
+          <a:effectRef idx="0">
+            <a:schemeClr val="dk1"/>
+          </a:effectRef>
+          <a:fontRef idx="minor">
+            <a:schemeClr val="tx1"/>
+          </a:fontRef>
+        </p:style>
+      </p:cxnSp>
+      <p:sp>
+        <p:nvSpPr>
+          <p:cNvPr id="47" name="TextBox 46">
+            <a:extLst>
+              <a:ext uri="{FF2B5EF4-FFF2-40B4-BE49-F238E27FC236}">
+                <a16:creationId xmlns:a16="http://schemas.microsoft.com/office/drawing/2014/main" id="{ABBD6795-F75F-4C5F-AB9F-1DC775B44A69}"/>
+              </a:ext>
+            </a:extLst>
+          </p:cNvPr>
+          <p:cNvSpPr txBox="1"/>
+          <p:nvPr/>
+        </p:nvSpPr>
+        <p:spPr>
+          <a:xfrm>
+            <a:off x="6192795" y="2102329"/>
+            <a:ext cx="624338" cy="276999"/>
+          </a:xfrm>
+          <a:prstGeom prst="rect">
+            <a:avLst/>
+          </a:prstGeom>
+          <a:noFill/>
+        </p:spPr>
+        <p:txBody>
+          <a:bodyPr wrap="none" rtlCol="0">
+            <a:spAutoFit/>
+          </a:bodyPr>
+          <a:lstStyle/>
+          <a:p>
+            <a:r>
+              <a:rPr lang="en-US" altLang="ko-KR" sz="1200" dirty="0" smtClean="0"/>
+              <a:t>FILTER</a:t>
+            </a:r>
+            <a:endParaRPr lang="ko-KR" altLang="en-US" sz="1200" dirty="0"/>
+          </a:p>
+        </p:txBody>
+      </p:sp>
+      <p:grpSp>
+        <p:nvGrpSpPr>
+          <p:cNvPr id="52" name="그룹 51">
+            <a:extLst>
+              <a:ext uri="{FF2B5EF4-FFF2-40B4-BE49-F238E27FC236}">
+                <a16:creationId xmlns:a16="http://schemas.microsoft.com/office/drawing/2014/main" id="{34A39659-D04E-47C3-888A-C6BF13750AC5}"/>
+              </a:ext>
+            </a:extLst>
+          </p:cNvPr>
+          <p:cNvGrpSpPr/>
+          <p:nvPr/>
+        </p:nvGrpSpPr>
+        <p:grpSpPr>
+          <a:xfrm>
+            <a:off x="6319902" y="4213000"/>
+            <a:ext cx="1231449" cy="1228832"/>
+            <a:chOff x="6730571" y="1646403"/>
+            <a:chExt cx="1231449" cy="1228832"/>
+          </a:xfrm>
+        </p:grpSpPr>
+        <p:pic>
+          <p:nvPicPr>
+            <p:cNvPr id="53" name="Picture 14" descr="spring boot icon png 이미지 검색결과">
+              <a:extLst>
+                <a:ext uri="{FF2B5EF4-FFF2-40B4-BE49-F238E27FC236}">
+                  <a16:creationId xmlns:a16="http://schemas.microsoft.com/office/drawing/2014/main" id="{E8990910-C8B1-4E0E-84DF-82CE59475ADA}"/>
+                </a:ext>
+              </a:extLst>
+            </p:cNvPr>
+            <p:cNvPicPr>
+              <a:picLocks noChangeAspect="1" noChangeArrowheads="1"/>
+            </p:cNvPicPr>
+            <p:nvPr/>
+          </p:nvPicPr>
+          <p:blipFill>
+            <a:blip r:embed="rId7" cstate="hqprint">
+              <a:extLst>
+                <a:ext uri="{28A0092B-C50C-407E-A947-70E740481C1C}">
+                  <a14:useLocalDpi xmlns:a14="http://schemas.microsoft.com/office/drawing/2010/main" val="0"/>
+                </a:ext>
+              </a:extLst>
+            </a:blip>
+            <a:srcRect/>
+            <a:stretch>
+              <a:fillRect/>
+            </a:stretch>
+          </p:blipFill>
+          <p:spPr bwMode="auto">
+            <a:xfrm>
+              <a:off x="6826441" y="1646403"/>
+              <a:ext cx="1045707" cy="1045707"/>
+            </a:xfrm>
+            <a:prstGeom prst="rect">
+              <a:avLst/>
+            </a:prstGeom>
+            <a:noFill/>
+            <a:extLst>
+              <a:ext uri="{909E8E84-426E-40DD-AFC4-6F175D3DCCD1}">
+                <a14:hiddenFill xmlns:a14="http://schemas.microsoft.com/office/drawing/2010/main">
+                  <a:solidFill>
+                    <a:srgbClr val="FFFFFF"/>
+                  </a:solidFill>
+                </a14:hiddenFill>
+              </a:ext>
+            </a:extLst>
+          </p:spPr>
+        </p:pic>
+        <p:sp>
+          <p:nvSpPr>
+            <p:cNvPr id="54" name="TextBox 6">
+              <a:extLst>
+                <a:ext uri="{FF2B5EF4-FFF2-40B4-BE49-F238E27FC236}">
+                  <a16:creationId xmlns:a16="http://schemas.microsoft.com/office/drawing/2014/main" id="{296790AE-2623-455C-91A8-4C89B44A0F06}"/>
+                </a:ext>
+              </a:extLst>
+            </p:cNvPr>
+            <p:cNvSpPr txBox="1">
+              <a:spLocks noChangeArrowheads="1"/>
+            </p:cNvSpPr>
+            <p:nvPr/>
+          </p:nvSpPr>
+          <p:spPr bwMode="auto">
+            <a:xfrm>
+              <a:off x="6730571" y="2413570"/>
+              <a:ext cx="1231449" cy="461665"/>
+            </a:xfrm>
+            <a:prstGeom prst="rect">
+              <a:avLst/>
+            </a:prstGeom>
+            <a:noFill/>
+            <a:ln>
+              <a:noFill/>
+            </a:ln>
+            <a:extLst>
+              <a:ext uri="{909E8E84-426E-40DD-AFC4-6F175D3DCCD1}">
+                <a14:hiddenFill xmlns:a14="http://schemas.microsoft.com/office/drawing/2010/main">
+                  <a:solidFill>
+                    <a:srgbClr val="FFFFFF"/>
+                  </a:solidFill>
+                </a14:hiddenFill>
+              </a:ext>
+              <a:ext uri="{91240B29-F687-4F45-9708-019B960494DF}">
+                <a14:hiddenLine xmlns:a14="http://schemas.microsoft.com/office/drawing/2010/main" w="9525">
+                  <a:solidFill>
+                    <a:srgbClr val="000000"/>
+                  </a:solidFill>
+                  <a:miter lim="800000"/>
+                  <a:headEnd/>
+                  <a:tailEnd/>
+                </a14:hiddenLine>
+              </a:ext>
+            </a:extLst>
+          </p:spPr>
+          <p:txBody>
+            <a:bodyPr wrap="square">
+              <a:spAutoFit/>
+            </a:bodyPr>
+            <a:lstStyle>
+              <a:defPPr>
+                <a:defRPr lang="en-US"/>
+              </a:defPPr>
+              <a:lvl1pPr algn="l" rtl="0" eaLnBrk="0" fontAlgn="base" hangingPunct="0">
+                <a:spcBef>
+                  <a:spcPct val="0"/>
+                </a:spcBef>
+                <a:spcAft>
+                  <a:spcPct val="0"/>
+                </a:spcAft>
+                <a:defRPr kern="1200">
+                  <a:solidFill>
+                    <a:schemeClr val="tx1"/>
+                  </a:solidFill>
+                  <a:latin typeface="Calibri" panose="020F0502020204030204" pitchFamily="34" charset="0"/>
+                  <a:ea typeface="+mn-ea"/>
+                  <a:cs typeface="+mn-cs"/>
+                </a:defRPr>
+              </a:lvl1pPr>
+              <a:lvl2pPr marL="457200" algn="l" rtl="0" eaLnBrk="0" fontAlgn="base" hangingPunct="0">
+                <a:spcBef>
+                  <a:spcPct val="0"/>
+                </a:spcBef>
+                <a:spcAft>
+                  <a:spcPct val="0"/>
+                </a:spcAft>
+                <a:defRPr kern="1200">
+                  <a:solidFill>
+                    <a:schemeClr val="tx1"/>
+                  </a:solidFill>
+                  <a:latin typeface="Calibri" panose="020F0502020204030204" pitchFamily="34" charset="0"/>
+                  <a:ea typeface="+mn-ea"/>
+                  <a:cs typeface="+mn-cs"/>
+                </a:defRPr>
+              </a:lvl2pPr>
+              <a:lvl3pPr marL="914400" algn="l" rtl="0" eaLnBrk="0" fontAlgn="base" hangingPunct="0">
+                <a:spcBef>
+                  <a:spcPct val="0"/>
+                </a:spcBef>
+                <a:spcAft>
+                  <a:spcPct val="0"/>
+                </a:spcAft>
+                <a:defRPr kern="1200">
+                  <a:solidFill>
+                    <a:schemeClr val="tx1"/>
+                  </a:solidFill>
+                  <a:latin typeface="Calibri" panose="020F0502020204030204" pitchFamily="34" charset="0"/>
+                  <a:ea typeface="+mn-ea"/>
+                  <a:cs typeface="+mn-cs"/>
+                </a:defRPr>
+              </a:lvl3pPr>
+              <a:lvl4pPr marL="1371600" algn="l" rtl="0" eaLnBrk="0" fontAlgn="base" hangingPunct="0">
+                <a:spcBef>
+                  <a:spcPct val="0"/>
+                </a:spcBef>
+                <a:spcAft>
+                  <a:spcPct val="0"/>
+                </a:spcAft>
+                <a:defRPr kern="1200">
+                  <a:solidFill>
+                    <a:schemeClr val="tx1"/>
+                  </a:solidFill>
+                  <a:latin typeface="Calibri" panose="020F0502020204030204" pitchFamily="34" charset="0"/>
+                  <a:ea typeface="+mn-ea"/>
+                  <a:cs typeface="+mn-cs"/>
+                </a:defRPr>
+              </a:lvl4pPr>
+              <a:lvl5pPr marL="1828800" algn="l" rtl="0" eaLnBrk="0" fontAlgn="base" hangingPunct="0">
+                <a:spcBef>
+                  <a:spcPct val="0"/>
+                </a:spcBef>
+                <a:spcAft>
+                  <a:spcPct val="0"/>
+                </a:spcAft>
+                <a:defRPr kern="1200">
+                  <a:solidFill>
+                    <a:schemeClr val="tx1"/>
+                  </a:solidFill>
+                  <a:latin typeface="Calibri" panose="020F0502020204030204" pitchFamily="34" charset="0"/>
+                  <a:ea typeface="+mn-ea"/>
+                  <a:cs typeface="+mn-cs"/>
+                </a:defRPr>
+              </a:lvl5pPr>
+              <a:lvl6pPr marL="2286000" algn="l" defTabSz="914400" rtl="0" eaLnBrk="1" latinLnBrk="1" hangingPunct="1">
+                <a:defRPr kern="1200">
+                  <a:solidFill>
+                    <a:schemeClr val="tx1"/>
+                  </a:solidFill>
+                  <a:latin typeface="Calibri" panose="020F0502020204030204" pitchFamily="34" charset="0"/>
+                  <a:ea typeface="+mn-ea"/>
+                  <a:cs typeface="+mn-cs"/>
+                </a:defRPr>
+              </a:lvl6pPr>
+              <a:lvl7pPr marL="2743200" algn="l" defTabSz="914400" rtl="0" eaLnBrk="1" latinLnBrk="1" hangingPunct="1">
+                <a:defRPr kern="1200">
+                  <a:solidFill>
+                    <a:schemeClr val="tx1"/>
+                  </a:solidFill>
+                  <a:latin typeface="Calibri" panose="020F0502020204030204" pitchFamily="34" charset="0"/>
+                  <a:ea typeface="+mn-ea"/>
+                  <a:cs typeface="+mn-cs"/>
+                </a:defRPr>
+              </a:lvl7pPr>
+              <a:lvl8pPr marL="3200400" algn="l" defTabSz="914400" rtl="0" eaLnBrk="1" latinLnBrk="1" hangingPunct="1">
+                <a:defRPr kern="1200">
+                  <a:solidFill>
+                    <a:schemeClr val="tx1"/>
+                  </a:solidFill>
+                  <a:latin typeface="Calibri" panose="020F0502020204030204" pitchFamily="34" charset="0"/>
+                  <a:ea typeface="+mn-ea"/>
+                  <a:cs typeface="+mn-cs"/>
+                </a:defRPr>
+              </a:lvl8pPr>
+              <a:lvl9pPr marL="3657600" algn="l" defTabSz="914400" rtl="0" eaLnBrk="1" latinLnBrk="1" hangingPunct="1">
+                <a:defRPr kern="1200">
+                  <a:solidFill>
+                    <a:schemeClr val="tx1"/>
+                  </a:solidFill>
+                  <a:latin typeface="Calibri" panose="020F0502020204030204" pitchFamily="34" charset="0"/>
+                  <a:ea typeface="+mn-ea"/>
+                  <a:cs typeface="+mn-cs"/>
+                </a:defRPr>
+              </a:lvl9pPr>
+            </a:lstStyle>
+            <a:p>
+              <a:pPr algn="ctr" eaLnBrk="1" hangingPunct="1"/>
+              <a:r>
+                <a:rPr lang="en-US" altLang="en-US" sz="1200" dirty="0" err="1" smtClean="0">
+                  <a:latin typeface="Arial" panose="020B0604020202020204" pitchFamily="34" charset="0"/>
+                  <a:ea typeface="Amazon Ember" pitchFamily="34" charset="0"/>
+                  <a:cs typeface="Arial" panose="020B0604020202020204" pitchFamily="34" charset="0"/>
+                </a:rPr>
+                <a:t>Myworkspace</a:t>
+              </a:r>
+              <a:r>
+                <a:rPr lang="en-US" altLang="en-US" sz="1200" dirty="0" smtClean="0">
+                  <a:latin typeface="Arial" panose="020B0604020202020204" pitchFamily="34" charset="0"/>
+                  <a:ea typeface="Amazon Ember" pitchFamily="34" charset="0"/>
+                  <a:cs typeface="Arial" panose="020B0604020202020204" pitchFamily="34" charset="0"/>
+                </a:rPr>
+                <a:t> Service</a:t>
+              </a:r>
+              <a:endParaRPr lang="en-US" altLang="en-US" sz="1200" dirty="0">
+                <a:latin typeface="Arial" panose="020B0604020202020204" pitchFamily="34" charset="0"/>
+                <a:ea typeface="Amazon Ember" pitchFamily="34" charset="0"/>
+                <a:cs typeface="Arial" panose="020B0604020202020204" pitchFamily="34" charset="0"/>
+              </a:endParaRPr>
+            </a:p>
+          </p:txBody>
+        </p:sp>
+      </p:grpSp>
+      <p:cxnSp>
+        <p:nvCxnSpPr>
+          <p:cNvPr id="55" name="직선 화살표 연결선 54"/>
+          <p:cNvCxnSpPr/>
+          <p:nvPr/>
+        </p:nvCxnSpPr>
+        <p:spPr>
+          <a:xfrm flipH="1">
+            <a:off x="6912548" y="3785555"/>
+            <a:ext cx="1" cy="633147"/>
+          </a:xfrm>
+          <a:prstGeom prst="straightConnector1">
+            <a:avLst/>
+          </a:prstGeom>
+          <a:ln w="25400">
+            <a:tailEnd type="triangle"/>
+          </a:ln>
+        </p:spPr>
+        <p:style>
+          <a:lnRef idx="1">
+            <a:schemeClr val="dk1"/>
+          </a:lnRef>
+          <a:fillRef idx="0">
+            <a:schemeClr val="dk1"/>
+          </a:fillRef>
+          <a:effectRef idx="0">
+            <a:schemeClr val="dk1"/>
+          </a:effectRef>
+          <a:fontRef idx="minor">
+            <a:schemeClr val="tx1"/>
+          </a:fontRef>
+        </p:style>
+      </p:cxnSp>
+      <p:sp>
+        <p:nvSpPr>
+          <p:cNvPr id="56" name="TextBox 55">
+            <a:extLst>
+              <a:ext uri="{FF2B5EF4-FFF2-40B4-BE49-F238E27FC236}">
+                <a16:creationId xmlns:a16="http://schemas.microsoft.com/office/drawing/2014/main" id="{ABBD6795-F75F-4C5F-AB9F-1DC775B44A69}"/>
+              </a:ext>
+            </a:extLst>
+          </p:cNvPr>
+          <p:cNvSpPr txBox="1"/>
+          <p:nvPr/>
+        </p:nvSpPr>
+        <p:spPr>
+          <a:xfrm>
+            <a:off x="7127777" y="3739252"/>
+            <a:ext cx="2939266" cy="276999"/>
+          </a:xfrm>
+          <a:prstGeom prst="rect">
+            <a:avLst/>
+          </a:prstGeom>
+          <a:noFill/>
+        </p:spPr>
+        <p:txBody>
+          <a:bodyPr wrap="none" rtlCol="0">
+            <a:spAutoFit/>
+          </a:bodyPr>
+          <a:lstStyle/>
+          <a:p>
+            <a:r>
+              <a:rPr lang="en-US" altLang="ko-KR" sz="1200" dirty="0" smtClean="0"/>
+              <a:t>Header -&gt; s</a:t>
+            </a:r>
+            <a:r>
+              <a:rPr lang="en-US" altLang="ko-KR" sz="1200" dirty="0" smtClean="0"/>
+              <a:t>ession-profile: {</a:t>
+            </a:r>
+            <a:r>
+              <a:rPr lang="en-US" altLang="ko-KR" sz="1200" dirty="0" err="1" smtClean="0"/>
+              <a:t>userId</a:t>
+            </a:r>
+            <a:r>
+              <a:rPr lang="en-US" altLang="ko-KR" sz="1200" dirty="0" smtClean="0"/>
+              <a:t>, role}</a:t>
+            </a:r>
+            <a:endParaRPr lang="ko-KR" altLang="en-US" sz="1200" dirty="0"/>
+          </a:p>
+        </p:txBody>
+      </p:sp>
+      <p:sp>
+        <p:nvSpPr>
+          <p:cNvPr id="57" name="TextBox 56">
+            <a:extLst>
+              <a:ext uri="{FF2B5EF4-FFF2-40B4-BE49-F238E27FC236}">
+                <a16:creationId xmlns:a16="http://schemas.microsoft.com/office/drawing/2014/main" id="{ABBD6795-F75F-4C5F-AB9F-1DC775B44A69}"/>
+              </a:ext>
+            </a:extLst>
+          </p:cNvPr>
+          <p:cNvSpPr txBox="1"/>
+          <p:nvPr/>
+        </p:nvSpPr>
+        <p:spPr>
+          <a:xfrm>
+            <a:off x="5990046" y="3747013"/>
+            <a:ext cx="851452" cy="276999"/>
+          </a:xfrm>
+          <a:prstGeom prst="rect">
+            <a:avLst/>
+          </a:prstGeom>
+          <a:noFill/>
+        </p:spPr>
+        <p:txBody>
+          <a:bodyPr wrap="none" rtlCol="0">
+            <a:spAutoFit/>
+          </a:bodyPr>
+          <a:lstStyle/>
+          <a:p>
+            <a:r>
+              <a:rPr lang="en-US" altLang="ko-KR" sz="1200" dirty="0" smtClean="0"/>
+              <a:t>ROUTING</a:t>
+            </a:r>
+            <a:endParaRPr lang="ko-KR" altLang="en-US" sz="1200" dirty="0"/>
+          </a:p>
+        </p:txBody>
+      </p:sp>
+      <p:grpSp>
+        <p:nvGrpSpPr>
+          <p:cNvPr id="65" name="그룹 64">
+            <a:extLst>
+              <a:ext uri="{FF2B5EF4-FFF2-40B4-BE49-F238E27FC236}">
+                <a16:creationId xmlns:a16="http://schemas.microsoft.com/office/drawing/2014/main" id="{D358254C-7A54-4C65-9DD4-4631A02A017B}"/>
+              </a:ext>
+            </a:extLst>
+          </p:cNvPr>
+          <p:cNvGrpSpPr/>
+          <p:nvPr/>
+        </p:nvGrpSpPr>
+        <p:grpSpPr>
+          <a:xfrm>
+            <a:off x="9771309" y="4121001"/>
+            <a:ext cx="551456" cy="649638"/>
+            <a:chOff x="5415186" y="4676050"/>
+            <a:chExt cx="1186581" cy="1317715"/>
+          </a:xfrm>
+        </p:grpSpPr>
+        <p:pic>
+          <p:nvPicPr>
+            <p:cNvPr id="69" name="Graphic 6">
+              <a:extLst>
+                <a:ext uri="{FF2B5EF4-FFF2-40B4-BE49-F238E27FC236}">
+                  <a16:creationId xmlns:a16="http://schemas.microsoft.com/office/drawing/2014/main" id="{7FC9F643-59F2-4BB3-A119-9D512B77FAD6}"/>
+                </a:ext>
+              </a:extLst>
+            </p:cNvPr>
+            <p:cNvPicPr>
+              <a:picLocks noChangeAspect="1" noChangeArrowheads="1"/>
+            </p:cNvPicPr>
+            <p:nvPr/>
+          </p:nvPicPr>
+          <p:blipFill>
+            <a:blip r:embed="rId8" cstate="hqprint">
+              <a:extLst>
+                <a:ext uri="{28A0092B-C50C-407E-A947-70E740481C1C}">
+                  <a14:useLocalDpi xmlns:a14="http://schemas.microsoft.com/office/drawing/2010/main" val="0"/>
+                </a:ext>
+              </a:extLst>
+            </a:blip>
+            <a:srcRect/>
+            <a:stretch>
+              <a:fillRect/>
+            </a:stretch>
+          </p:blipFill>
+          <p:spPr bwMode="auto">
+            <a:xfrm>
+              <a:off x="5495578" y="4676050"/>
+              <a:ext cx="622488" cy="622488"/>
+            </a:xfrm>
+            <a:prstGeom prst="rect">
+              <a:avLst/>
+            </a:prstGeom>
+            <a:noFill/>
+            <a:ln>
+              <a:noFill/>
+            </a:ln>
+            <a:extLst>
+              <a:ext uri="{909E8E84-426E-40DD-AFC4-6F175D3DCCD1}">
+                <a14:hiddenFill xmlns:a14="http://schemas.microsoft.com/office/drawing/2010/main">
+                  <a:solidFill>
+                    <a:srgbClr val="FFFFFF"/>
+                  </a:solidFill>
+                </a14:hiddenFill>
+              </a:ext>
+              <a:ext uri="{91240B29-F687-4F45-9708-019B960494DF}">
+                <a14:hiddenLine xmlns:a14="http://schemas.microsoft.com/office/drawing/2010/main" w="9525">
+                  <a:solidFill>
+                    <a:srgbClr val="000000"/>
+                  </a:solidFill>
+                  <a:miter lim="800000"/>
+                  <a:headEnd/>
+                  <a:tailEnd/>
+                </a14:hiddenLine>
+              </a:ext>
+            </a:extLst>
+          </p:spPr>
+        </p:pic>
+        <p:sp>
+          <p:nvSpPr>
+            <p:cNvPr id="70" name="TextBox 9">
+              <a:extLst>
+                <a:ext uri="{FF2B5EF4-FFF2-40B4-BE49-F238E27FC236}">
+                  <a16:creationId xmlns:a16="http://schemas.microsoft.com/office/drawing/2014/main" id="{C421BCDE-46C3-41DA-8860-A02DD8597B5E}"/>
+                </a:ext>
+              </a:extLst>
+            </p:cNvPr>
+            <p:cNvSpPr txBox="1">
+              <a:spLocks noChangeArrowheads="1"/>
+            </p:cNvSpPr>
+            <p:nvPr/>
+          </p:nvSpPr>
+          <p:spPr bwMode="auto">
+            <a:xfrm>
+              <a:off x="5415186" y="5439368"/>
+              <a:ext cx="1186581" cy="554397"/>
+            </a:xfrm>
+            <a:prstGeom prst="rect">
+              <a:avLst/>
+            </a:prstGeom>
+            <a:noFill/>
+            <a:ln>
+              <a:noFill/>
+            </a:ln>
+            <a:extLst>
+              <a:ext uri="{909E8E84-426E-40DD-AFC4-6F175D3DCCD1}">
+                <a14:hiddenFill xmlns:a14="http://schemas.microsoft.com/office/drawing/2010/main">
+                  <a:solidFill>
+                    <a:srgbClr val="FFFFFF"/>
+                  </a:solidFill>
+                </a14:hiddenFill>
+              </a:ext>
+              <a:ext uri="{91240B29-F687-4F45-9708-019B960494DF}">
+                <a14:hiddenLine xmlns:a14="http://schemas.microsoft.com/office/drawing/2010/main" w="9525">
+                  <a:solidFill>
+                    <a:srgbClr val="000000"/>
+                  </a:solidFill>
+                  <a:miter lim="800000"/>
+                  <a:headEnd/>
+                  <a:tailEnd/>
+                </a14:hiddenLine>
+              </a:ext>
+            </a:extLst>
+          </p:spPr>
+          <p:txBody>
+            <a:bodyPr wrap="square">
+              <a:spAutoFit/>
+            </a:bodyPr>
+            <a:lstStyle>
+              <a:defPPr>
+                <a:defRPr lang="en-US"/>
+              </a:defPPr>
+              <a:lvl1pPr algn="l" rtl="0" eaLnBrk="0" fontAlgn="base" hangingPunct="0">
+                <a:spcBef>
+                  <a:spcPct val="0"/>
+                </a:spcBef>
+                <a:spcAft>
+                  <a:spcPct val="0"/>
+                </a:spcAft>
+                <a:defRPr kern="1200">
+                  <a:solidFill>
+                    <a:schemeClr val="tx1"/>
+                  </a:solidFill>
+                  <a:latin typeface="Calibri" panose="020F0502020204030204" pitchFamily="34" charset="0"/>
+                  <a:ea typeface="+mn-ea"/>
+                  <a:cs typeface="+mn-cs"/>
+                </a:defRPr>
+              </a:lvl1pPr>
+              <a:lvl2pPr marL="457200" algn="l" rtl="0" eaLnBrk="0" fontAlgn="base" hangingPunct="0">
+                <a:spcBef>
+                  <a:spcPct val="0"/>
+                </a:spcBef>
+                <a:spcAft>
+                  <a:spcPct val="0"/>
+                </a:spcAft>
+                <a:defRPr kern="1200">
+                  <a:solidFill>
+                    <a:schemeClr val="tx1"/>
+                  </a:solidFill>
+                  <a:latin typeface="Calibri" panose="020F0502020204030204" pitchFamily="34" charset="0"/>
+                  <a:ea typeface="+mn-ea"/>
+                  <a:cs typeface="+mn-cs"/>
+                </a:defRPr>
+              </a:lvl2pPr>
+              <a:lvl3pPr marL="914400" algn="l" rtl="0" eaLnBrk="0" fontAlgn="base" hangingPunct="0">
+                <a:spcBef>
+                  <a:spcPct val="0"/>
+                </a:spcBef>
+                <a:spcAft>
+                  <a:spcPct val="0"/>
+                </a:spcAft>
+                <a:defRPr kern="1200">
+                  <a:solidFill>
+                    <a:schemeClr val="tx1"/>
+                  </a:solidFill>
+                  <a:latin typeface="Calibri" panose="020F0502020204030204" pitchFamily="34" charset="0"/>
+                  <a:ea typeface="+mn-ea"/>
+                  <a:cs typeface="+mn-cs"/>
+                </a:defRPr>
+              </a:lvl3pPr>
+              <a:lvl4pPr marL="1371600" algn="l" rtl="0" eaLnBrk="0" fontAlgn="base" hangingPunct="0">
+                <a:spcBef>
+                  <a:spcPct val="0"/>
+                </a:spcBef>
+                <a:spcAft>
+                  <a:spcPct val="0"/>
+                </a:spcAft>
+                <a:defRPr kern="1200">
+                  <a:solidFill>
+                    <a:schemeClr val="tx1"/>
+                  </a:solidFill>
+                  <a:latin typeface="Calibri" panose="020F0502020204030204" pitchFamily="34" charset="0"/>
+                  <a:ea typeface="+mn-ea"/>
+                  <a:cs typeface="+mn-cs"/>
+                </a:defRPr>
+              </a:lvl4pPr>
+              <a:lvl5pPr marL="1828800" algn="l" rtl="0" eaLnBrk="0" fontAlgn="base" hangingPunct="0">
+                <a:spcBef>
+                  <a:spcPct val="0"/>
+                </a:spcBef>
+                <a:spcAft>
+                  <a:spcPct val="0"/>
+                </a:spcAft>
+                <a:defRPr kern="1200">
+                  <a:solidFill>
+                    <a:schemeClr val="tx1"/>
+                  </a:solidFill>
+                  <a:latin typeface="Calibri" panose="020F0502020204030204" pitchFamily="34" charset="0"/>
+                  <a:ea typeface="+mn-ea"/>
+                  <a:cs typeface="+mn-cs"/>
+                </a:defRPr>
+              </a:lvl5pPr>
+              <a:lvl6pPr marL="2286000" algn="l" defTabSz="914400" rtl="0" eaLnBrk="1" latinLnBrk="1" hangingPunct="1">
+                <a:defRPr kern="1200">
+                  <a:solidFill>
+                    <a:schemeClr val="tx1"/>
+                  </a:solidFill>
+                  <a:latin typeface="Calibri" panose="020F0502020204030204" pitchFamily="34" charset="0"/>
+                  <a:ea typeface="+mn-ea"/>
+                  <a:cs typeface="+mn-cs"/>
+                </a:defRPr>
+              </a:lvl6pPr>
+              <a:lvl7pPr marL="2743200" algn="l" defTabSz="914400" rtl="0" eaLnBrk="1" latinLnBrk="1" hangingPunct="1">
+                <a:defRPr kern="1200">
+                  <a:solidFill>
+                    <a:schemeClr val="tx1"/>
+                  </a:solidFill>
+                  <a:latin typeface="Calibri" panose="020F0502020204030204" pitchFamily="34" charset="0"/>
+                  <a:ea typeface="+mn-ea"/>
+                  <a:cs typeface="+mn-cs"/>
+                </a:defRPr>
+              </a:lvl7pPr>
+              <a:lvl8pPr marL="3200400" algn="l" defTabSz="914400" rtl="0" eaLnBrk="1" latinLnBrk="1" hangingPunct="1">
+                <a:defRPr kern="1200">
+                  <a:solidFill>
+                    <a:schemeClr val="tx1"/>
+                  </a:solidFill>
+                  <a:latin typeface="Calibri" panose="020F0502020204030204" pitchFamily="34" charset="0"/>
+                  <a:ea typeface="+mn-ea"/>
+                  <a:cs typeface="+mn-cs"/>
+                </a:defRPr>
+              </a:lvl8pPr>
+              <a:lvl9pPr marL="3657600" algn="l" defTabSz="914400" rtl="0" eaLnBrk="1" latinLnBrk="1" hangingPunct="1">
+                <a:defRPr kern="1200">
+                  <a:solidFill>
+                    <a:schemeClr val="tx1"/>
+                  </a:solidFill>
+                  <a:latin typeface="Calibri" panose="020F0502020204030204" pitchFamily="34" charset="0"/>
+                  <a:ea typeface="+mn-ea"/>
+                  <a:cs typeface="+mn-cs"/>
+                </a:defRPr>
+              </a:lvl9pPr>
+            </a:lstStyle>
+            <a:p>
+              <a:pPr algn="ctr" eaLnBrk="1" hangingPunct="1"/>
+              <a:endParaRPr lang="en-US" altLang="en-US" sz="1200" dirty="0">
+                <a:latin typeface="Arial" panose="020B0604020202020204" pitchFamily="34" charset="0"/>
+                <a:ea typeface="Amazon Ember" pitchFamily="34" charset="0"/>
+                <a:cs typeface="Arial" panose="020B0604020202020204" pitchFamily="34" charset="0"/>
+              </a:endParaRPr>
+            </a:p>
+          </p:txBody>
+        </p:sp>
+      </p:grpSp>
+      <p:sp>
+        <p:nvSpPr>
+          <p:cNvPr id="66" name="TextBox 9">
+            <a:extLst>
+              <a:ext uri="{FF2B5EF4-FFF2-40B4-BE49-F238E27FC236}">
+                <a16:creationId xmlns:a16="http://schemas.microsoft.com/office/drawing/2014/main" id="{96CFBB76-6AB2-4745-95F6-ACE70450DB3E}"/>
+              </a:ext>
+            </a:extLst>
+          </p:cNvPr>
+          <p:cNvSpPr txBox="1">
+            <a:spLocks noChangeArrowheads="1"/>
+          </p:cNvSpPr>
+          <p:nvPr/>
+        </p:nvSpPr>
+        <p:spPr bwMode="auto">
+          <a:xfrm>
+            <a:off x="9764856" y="4445025"/>
+            <a:ext cx="1435076" cy="461665"/>
+          </a:xfrm>
+          <a:prstGeom prst="rect">
+            <a:avLst/>
+          </a:prstGeom>
+          <a:noFill/>
+          <a:ln>
+            <a:noFill/>
+          </a:ln>
+          <a:extLst>
+            <a:ext uri="{909E8E84-426E-40DD-AFC4-6F175D3DCCD1}">
+              <a14:hiddenFill xmlns:a14="http://schemas.microsoft.com/office/drawing/2010/main">
+                <a:solidFill>
+                  <a:srgbClr val="FFFFFF"/>
+                </a:solidFill>
+              </a14:hiddenFill>
+            </a:ext>
+            <a:ext uri="{91240B29-F687-4F45-9708-019B960494DF}">
+              <a14:hiddenLine xmlns:a14="http://schemas.microsoft.com/office/drawing/2010/main" w="9525">
+                <a:solidFill>
+                  <a:srgbClr val="000000"/>
+                </a:solidFill>
+                <a:miter lim="800000"/>
+                <a:headEnd/>
+                <a:tailEnd/>
+              </a14:hiddenLine>
+            </a:ext>
+          </a:extLst>
+        </p:spPr>
+        <p:txBody>
+          <a:bodyPr wrap="square">
+            <a:spAutoFit/>
+          </a:bodyPr>
+          <a:lstStyle>
+            <a:defPPr>
+              <a:defRPr lang="en-US"/>
+            </a:defPPr>
+            <a:lvl1pPr algn="l" rtl="0" eaLnBrk="0" fontAlgn="base" hangingPunct="0">
+              <a:spcBef>
+                <a:spcPct val="0"/>
+              </a:spcBef>
+              <a:spcAft>
+                <a:spcPct val="0"/>
+              </a:spcAft>
+              <a:defRPr kern="1200">
+                <a:solidFill>
+                  <a:schemeClr val="tx1"/>
+                </a:solidFill>
+                <a:latin typeface="Calibri" panose="020F0502020204030204" pitchFamily="34" charset="0"/>
+                <a:ea typeface="+mn-ea"/>
+                <a:cs typeface="+mn-cs"/>
+              </a:defRPr>
+            </a:lvl1pPr>
+            <a:lvl2pPr marL="457200" algn="l" rtl="0" eaLnBrk="0" fontAlgn="base" hangingPunct="0">
+              <a:spcBef>
+                <a:spcPct val="0"/>
+              </a:spcBef>
+              <a:spcAft>
+                <a:spcPct val="0"/>
+              </a:spcAft>
+              <a:defRPr kern="1200">
+                <a:solidFill>
+                  <a:schemeClr val="tx1"/>
+                </a:solidFill>
+                <a:latin typeface="Calibri" panose="020F0502020204030204" pitchFamily="34" charset="0"/>
+                <a:ea typeface="+mn-ea"/>
+                <a:cs typeface="+mn-cs"/>
+              </a:defRPr>
+            </a:lvl2pPr>
+            <a:lvl3pPr marL="914400" algn="l" rtl="0" eaLnBrk="0" fontAlgn="base" hangingPunct="0">
+              <a:spcBef>
+                <a:spcPct val="0"/>
+              </a:spcBef>
+              <a:spcAft>
+                <a:spcPct val="0"/>
+              </a:spcAft>
+              <a:defRPr kern="1200">
+                <a:solidFill>
+                  <a:schemeClr val="tx1"/>
+                </a:solidFill>
+                <a:latin typeface="Calibri" panose="020F0502020204030204" pitchFamily="34" charset="0"/>
+                <a:ea typeface="+mn-ea"/>
+                <a:cs typeface="+mn-cs"/>
+              </a:defRPr>
+            </a:lvl3pPr>
+            <a:lvl4pPr marL="1371600" algn="l" rtl="0" eaLnBrk="0" fontAlgn="base" hangingPunct="0">
+              <a:spcBef>
+                <a:spcPct val="0"/>
+              </a:spcBef>
+              <a:spcAft>
+                <a:spcPct val="0"/>
+              </a:spcAft>
+              <a:defRPr kern="1200">
+                <a:solidFill>
+                  <a:schemeClr val="tx1"/>
+                </a:solidFill>
+                <a:latin typeface="Calibri" panose="020F0502020204030204" pitchFamily="34" charset="0"/>
+                <a:ea typeface="+mn-ea"/>
+                <a:cs typeface="+mn-cs"/>
+              </a:defRPr>
+            </a:lvl4pPr>
+            <a:lvl5pPr marL="1828800" algn="l" rtl="0" eaLnBrk="0" fontAlgn="base" hangingPunct="0">
+              <a:spcBef>
+                <a:spcPct val="0"/>
+              </a:spcBef>
+              <a:spcAft>
+                <a:spcPct val="0"/>
+              </a:spcAft>
+              <a:defRPr kern="1200">
+                <a:solidFill>
+                  <a:schemeClr val="tx1"/>
+                </a:solidFill>
+                <a:latin typeface="Calibri" panose="020F0502020204030204" pitchFamily="34" charset="0"/>
+                <a:ea typeface="+mn-ea"/>
+                <a:cs typeface="+mn-cs"/>
+              </a:defRPr>
+            </a:lvl5pPr>
+            <a:lvl6pPr marL="2286000" algn="l" defTabSz="914400" rtl="0" eaLnBrk="1" latinLnBrk="1" hangingPunct="1">
+              <a:defRPr kern="1200">
+                <a:solidFill>
+                  <a:schemeClr val="tx1"/>
+                </a:solidFill>
+                <a:latin typeface="Calibri" panose="020F0502020204030204" pitchFamily="34" charset="0"/>
+                <a:ea typeface="+mn-ea"/>
+                <a:cs typeface="+mn-cs"/>
+              </a:defRPr>
+            </a:lvl6pPr>
+            <a:lvl7pPr marL="2743200" algn="l" defTabSz="914400" rtl="0" eaLnBrk="1" latinLnBrk="1" hangingPunct="1">
+              <a:defRPr kern="1200">
+                <a:solidFill>
+                  <a:schemeClr val="tx1"/>
+                </a:solidFill>
+                <a:latin typeface="Calibri" panose="020F0502020204030204" pitchFamily="34" charset="0"/>
+                <a:ea typeface="+mn-ea"/>
+                <a:cs typeface="+mn-cs"/>
+              </a:defRPr>
+            </a:lvl7pPr>
+            <a:lvl8pPr marL="3200400" algn="l" defTabSz="914400" rtl="0" eaLnBrk="1" latinLnBrk="1" hangingPunct="1">
+              <a:defRPr kern="1200">
+                <a:solidFill>
+                  <a:schemeClr val="tx1"/>
+                </a:solidFill>
+                <a:latin typeface="Calibri" panose="020F0502020204030204" pitchFamily="34" charset="0"/>
+                <a:ea typeface="+mn-ea"/>
+                <a:cs typeface="+mn-cs"/>
+              </a:defRPr>
+            </a:lvl8pPr>
+            <a:lvl9pPr marL="3657600" algn="l" defTabSz="914400" rtl="0" eaLnBrk="1" latinLnBrk="1" hangingPunct="1">
+              <a:defRPr kern="1200">
+                <a:solidFill>
+                  <a:schemeClr val="tx1"/>
+                </a:solidFill>
+                <a:latin typeface="Calibri" panose="020F0502020204030204" pitchFamily="34" charset="0"/>
+                <a:ea typeface="+mn-ea"/>
+                <a:cs typeface="+mn-cs"/>
+              </a:defRPr>
+            </a:lvl9pPr>
+          </a:lstStyle>
+          <a:p>
+            <a:pPr algn="ctr" eaLnBrk="1" hangingPunct="1"/>
+            <a:r>
+              <a:rPr lang="en-US" altLang="en-US" sz="1200" dirty="0" err="1" smtClean="0">
+                <a:latin typeface="Arial" panose="020B0604020202020204" pitchFamily="34" charset="0"/>
+                <a:ea typeface="Amazon Ember" pitchFamily="34" charset="0"/>
+                <a:cs typeface="Arial" panose="020B0604020202020204" pitchFamily="34" charset="0"/>
+              </a:rPr>
+              <a:t>Postgres</a:t>
+            </a:r>
+            <a:r>
+              <a:rPr lang="en-US" altLang="en-US" sz="1200" dirty="0" smtClean="0">
+                <a:latin typeface="Arial" panose="020B0604020202020204" pitchFamily="34" charset="0"/>
+                <a:ea typeface="Amazon Ember" pitchFamily="34" charset="0"/>
+                <a:cs typeface="Arial" panose="020B0604020202020204" pitchFamily="34" charset="0"/>
+              </a:rPr>
+              <a:t> </a:t>
+            </a:r>
+            <a:endParaRPr lang="en-US" altLang="en-US" sz="1200" dirty="0" smtClean="0">
+              <a:latin typeface="Arial" panose="020B0604020202020204" pitchFamily="34" charset="0"/>
+              <a:ea typeface="Amazon Ember" pitchFamily="34" charset="0"/>
+              <a:cs typeface="Arial" panose="020B0604020202020204" pitchFamily="34" charset="0"/>
+            </a:endParaRPr>
+          </a:p>
+          <a:p>
+            <a:pPr algn="ctr" eaLnBrk="1" hangingPunct="1"/>
+            <a:r>
+              <a:rPr lang="en-US" altLang="en-US" sz="1200" dirty="0" err="1" smtClean="0">
+                <a:latin typeface="Arial" panose="020B0604020202020204" pitchFamily="34" charset="0"/>
+                <a:ea typeface="Amazon Ember" pitchFamily="34" charset="0"/>
+                <a:cs typeface="Arial" panose="020B0604020202020204" pitchFamily="34" charset="0"/>
+              </a:rPr>
+              <a:t>Myworkspace</a:t>
+            </a:r>
+            <a:r>
+              <a:rPr lang="en-US" altLang="en-US" sz="1200" dirty="0" smtClean="0">
+                <a:latin typeface="Arial" panose="020B0604020202020204" pitchFamily="34" charset="0"/>
+                <a:ea typeface="Amazon Ember" pitchFamily="34" charset="0"/>
+                <a:cs typeface="Arial" panose="020B0604020202020204" pitchFamily="34" charset="0"/>
+              </a:rPr>
+              <a:t> </a:t>
+            </a:r>
+            <a:r>
+              <a:rPr lang="en-US" altLang="en-US" sz="1200" dirty="0">
+                <a:latin typeface="Arial" panose="020B0604020202020204" pitchFamily="34" charset="0"/>
+                <a:ea typeface="Amazon Ember" pitchFamily="34" charset="0"/>
+                <a:cs typeface="Arial" panose="020B0604020202020204" pitchFamily="34" charset="0"/>
+              </a:rPr>
+              <a:t>DB</a:t>
+            </a:r>
+          </a:p>
+        </p:txBody>
+      </p:sp>
+      <p:sp>
+        <p:nvSpPr>
+          <p:cNvPr id="67" name="Rectangle 13">
+            <a:extLst>
+              <a:ext uri="{FF2B5EF4-FFF2-40B4-BE49-F238E27FC236}">
+                <a16:creationId xmlns:a16="http://schemas.microsoft.com/office/drawing/2014/main" id="{C4557BE9-81C7-46F7-ADB3-BD2A10532403}"/>
+              </a:ext>
+            </a:extLst>
+          </p:cNvPr>
+          <p:cNvSpPr/>
+          <p:nvPr/>
+        </p:nvSpPr>
+        <p:spPr>
+          <a:xfrm>
+            <a:off x="9557477" y="4078035"/>
+            <a:ext cx="1574909" cy="1614135"/>
+          </a:xfrm>
+          <a:prstGeom prst="rect">
+            <a:avLst/>
+          </a:prstGeom>
+          <a:noFill/>
+          <a:ln w="12700">
+            <a:solidFill>
+              <a:srgbClr val="5A6B86"/>
+            </a:solidFill>
+            <a:prstDash val="dash"/>
+          </a:ln>
+        </p:spPr>
+        <p:style>
+          <a:lnRef idx="2">
+            <a:schemeClr val="accent1">
+              <a:shade val="50000"/>
+            </a:schemeClr>
+          </a:lnRef>
+          <a:fillRef idx="1">
+            <a:schemeClr val="accent1"/>
+          </a:fillRef>
+          <a:effectRef idx="0">
+            <a:schemeClr val="accent1"/>
+          </a:effectRef>
+          <a:fontRef idx="minor">
+            <a:schemeClr val="lt1"/>
+          </a:fontRef>
+        </p:style>
+        <p:txBody>
+          <a:bodyPr tIns="91440"/>
+          <a:lstStyle>
+            <a:defPPr>
+              <a:defRPr lang="en-US"/>
+            </a:defPPr>
+            <a:lvl1pPr algn="l" rtl="0" eaLnBrk="0" fontAlgn="base" hangingPunct="0">
+              <a:spcBef>
+                <a:spcPct val="0"/>
+              </a:spcBef>
+              <a:spcAft>
+                <a:spcPct val="0"/>
+              </a:spcAft>
+              <a:defRPr kern="1200">
+                <a:solidFill>
+                  <a:schemeClr val="lt1"/>
+                </a:solidFill>
+                <a:latin typeface="+mn-lt"/>
+                <a:ea typeface="+mn-ea"/>
+                <a:cs typeface="+mn-cs"/>
+              </a:defRPr>
+            </a:lvl1pPr>
+            <a:lvl2pPr marL="457200" algn="l" rtl="0" eaLnBrk="0" fontAlgn="base" hangingPunct="0">
+              <a:spcBef>
+                <a:spcPct val="0"/>
+              </a:spcBef>
+              <a:spcAft>
+                <a:spcPct val="0"/>
+              </a:spcAft>
+              <a:defRPr kern="1200">
+                <a:solidFill>
+                  <a:schemeClr val="lt1"/>
+                </a:solidFill>
+                <a:latin typeface="+mn-lt"/>
+                <a:ea typeface="+mn-ea"/>
+                <a:cs typeface="+mn-cs"/>
+              </a:defRPr>
+            </a:lvl2pPr>
+            <a:lvl3pPr marL="914400" algn="l" rtl="0" eaLnBrk="0" fontAlgn="base" hangingPunct="0">
+              <a:spcBef>
+                <a:spcPct val="0"/>
+              </a:spcBef>
+              <a:spcAft>
+                <a:spcPct val="0"/>
+              </a:spcAft>
+              <a:defRPr kern="1200">
+                <a:solidFill>
+                  <a:schemeClr val="lt1"/>
+                </a:solidFill>
+                <a:latin typeface="+mn-lt"/>
+                <a:ea typeface="+mn-ea"/>
+                <a:cs typeface="+mn-cs"/>
+              </a:defRPr>
+            </a:lvl3pPr>
+            <a:lvl4pPr marL="1371600" algn="l" rtl="0" eaLnBrk="0" fontAlgn="base" hangingPunct="0">
+              <a:spcBef>
+                <a:spcPct val="0"/>
+              </a:spcBef>
+              <a:spcAft>
+                <a:spcPct val="0"/>
+              </a:spcAft>
+              <a:defRPr kern="1200">
+                <a:solidFill>
+                  <a:schemeClr val="lt1"/>
+                </a:solidFill>
+                <a:latin typeface="+mn-lt"/>
+                <a:ea typeface="+mn-ea"/>
+                <a:cs typeface="+mn-cs"/>
+              </a:defRPr>
+            </a:lvl4pPr>
+            <a:lvl5pPr marL="1828800" algn="l" rtl="0" eaLnBrk="0" fontAlgn="base" hangingPunct="0">
+              <a:spcBef>
+                <a:spcPct val="0"/>
+              </a:spcBef>
+              <a:spcAft>
+                <a:spcPct val="0"/>
+              </a:spcAft>
+              <a:defRPr kern="1200">
+                <a:solidFill>
+                  <a:schemeClr val="lt1"/>
+                </a:solidFill>
+                <a:latin typeface="+mn-lt"/>
+                <a:ea typeface="+mn-ea"/>
+                <a:cs typeface="+mn-cs"/>
+              </a:defRPr>
+            </a:lvl5pPr>
+            <a:lvl6pPr marL="2286000" algn="l" defTabSz="914400" rtl="0" eaLnBrk="1" latinLnBrk="1" hangingPunct="1">
+              <a:defRPr kern="1200">
+                <a:solidFill>
+                  <a:schemeClr val="lt1"/>
+                </a:solidFill>
+                <a:latin typeface="+mn-lt"/>
+                <a:ea typeface="+mn-ea"/>
+                <a:cs typeface="+mn-cs"/>
+              </a:defRPr>
+            </a:lvl6pPr>
+            <a:lvl7pPr marL="2743200" algn="l" defTabSz="914400" rtl="0" eaLnBrk="1" latinLnBrk="1" hangingPunct="1">
+              <a:defRPr kern="1200">
+                <a:solidFill>
+                  <a:schemeClr val="lt1"/>
+                </a:solidFill>
+                <a:latin typeface="+mn-lt"/>
+                <a:ea typeface="+mn-ea"/>
+                <a:cs typeface="+mn-cs"/>
+              </a:defRPr>
+            </a:lvl7pPr>
+            <a:lvl8pPr marL="3200400" algn="l" defTabSz="914400" rtl="0" eaLnBrk="1" latinLnBrk="1" hangingPunct="1">
+              <a:defRPr kern="1200">
+                <a:solidFill>
+                  <a:schemeClr val="lt1"/>
+                </a:solidFill>
+                <a:latin typeface="+mn-lt"/>
+                <a:ea typeface="+mn-ea"/>
+                <a:cs typeface="+mn-cs"/>
+              </a:defRPr>
+            </a:lvl8pPr>
+            <a:lvl9pPr marL="3657600" algn="l" defTabSz="914400" rtl="0" eaLnBrk="1" latinLnBrk="1" hangingPunct="1">
+              <a:defRPr kern="1200">
+                <a:solidFill>
+                  <a:schemeClr val="lt1"/>
+                </a:solidFill>
+                <a:latin typeface="+mn-lt"/>
+                <a:ea typeface="+mn-ea"/>
+                <a:cs typeface="+mn-cs"/>
+              </a:defRPr>
+            </a:lvl9pPr>
+          </a:lstStyle>
+          <a:p>
+            <a:pPr algn="ctr" eaLnBrk="1" fontAlgn="auto" hangingPunct="1">
+              <a:spcBef>
+                <a:spcPts val="0"/>
+              </a:spcBef>
+              <a:spcAft>
+                <a:spcPts val="0"/>
+              </a:spcAft>
+              <a:defRPr/>
+            </a:pPr>
+            <a:endParaRPr lang="en-US" sz="1200" dirty="0">
+              <a:solidFill>
+                <a:srgbClr val="5A6B86"/>
+              </a:solidFill>
+              <a:latin typeface="Arial" panose="020B0604020202020204" pitchFamily="34" charset="0"/>
+              <a:cs typeface="Arial" panose="020B0604020202020204" pitchFamily="34" charset="0"/>
+            </a:endParaRPr>
+          </a:p>
+        </p:txBody>
+      </p:sp>
+      <p:pic>
+        <p:nvPicPr>
+          <p:cNvPr id="68" name="Picture 8" descr="Postgresql icon - Free download on Iconfinder"/>
+          <p:cNvPicPr>
+            <a:picLocks noChangeAspect="1" noChangeArrowheads="1"/>
+          </p:cNvPicPr>
+          <p:nvPr/>
+        </p:nvPicPr>
+        <p:blipFill>
+          <a:blip r:embed="rId9" cstate="hqprint">
+            <a:extLst>
+              <a:ext uri="{28A0092B-C50C-407E-A947-70E740481C1C}">
+                <a14:useLocalDpi xmlns:a14="http://schemas.microsoft.com/office/drawing/2010/main" val="0"/>
+              </a:ext>
+            </a:extLst>
+          </a:blip>
+          <a:srcRect/>
+          <a:stretch>
+            <a:fillRect/>
+          </a:stretch>
+        </p:blipFill>
+        <p:spPr bwMode="auto">
+          <a:xfrm>
+            <a:off x="10551030" y="4137739"/>
+            <a:ext cx="282867" cy="282867"/>
+          </a:xfrm>
+          <a:prstGeom prst="rect">
+            <a:avLst/>
+          </a:prstGeom>
+          <a:noFill/>
+          <a:extLst>
+            <a:ext uri="{909E8E84-426E-40DD-AFC4-6F175D3DCCD1}">
+              <a14:hiddenFill xmlns:a14="http://schemas.microsoft.com/office/drawing/2010/main">
+                <a:solidFill>
+                  <a:srgbClr val="FFFFFF"/>
+                </a:solidFill>
+              </a14:hiddenFill>
+            </a:ext>
+          </a:extLst>
+        </p:spPr>
+      </p:pic>
+      <p:cxnSp>
+        <p:nvCxnSpPr>
+          <p:cNvPr id="72" name="직선 화살표 연결선 71"/>
+          <p:cNvCxnSpPr/>
+          <p:nvPr/>
+        </p:nvCxnSpPr>
+        <p:spPr>
+          <a:xfrm>
+            <a:off x="7578233" y="4890356"/>
+            <a:ext cx="2143831" cy="0"/>
+          </a:xfrm>
+          <a:prstGeom prst="straightConnector1">
+            <a:avLst/>
+          </a:prstGeom>
+          <a:ln w="25400">
+            <a:tailEnd type="triangle"/>
+          </a:ln>
+        </p:spPr>
+        <p:style>
+          <a:lnRef idx="1">
+            <a:schemeClr val="dk1"/>
+          </a:lnRef>
+          <a:fillRef idx="0">
+            <a:schemeClr val="dk1"/>
+          </a:fillRef>
+          <a:effectRef idx="0">
+            <a:schemeClr val="dk1"/>
+          </a:effectRef>
+          <a:fontRef idx="minor">
+            <a:schemeClr val="tx1"/>
+          </a:fontRef>
+        </p:style>
+      </p:cxnSp>
+      <p:sp>
+        <p:nvSpPr>
+          <p:cNvPr id="77" name="TextBox 76"/>
+          <p:cNvSpPr txBox="1"/>
+          <p:nvPr/>
+        </p:nvSpPr>
+        <p:spPr>
+          <a:xfrm>
+            <a:off x="9737537" y="5027235"/>
+            <a:ext cx="1428622" cy="523220"/>
+          </a:xfrm>
+          <a:prstGeom prst="rect">
+            <a:avLst/>
+          </a:prstGeom>
+          <a:noFill/>
+        </p:spPr>
+        <p:txBody>
+          <a:bodyPr wrap="square" rtlCol="0">
+            <a:spAutoFit/>
+          </a:bodyPr>
+          <a:lstStyle/>
+          <a:p>
+            <a:r>
+              <a:rPr lang="ko-KR" altLang="en-US" sz="1400" dirty="0" smtClean="0"/>
+              <a:t>테이블</a:t>
+            </a:r>
+            <a:endParaRPr lang="en-US" altLang="ko-KR" sz="1400" dirty="0" smtClean="0"/>
+          </a:p>
+          <a:p>
+            <a:r>
+              <a:rPr lang="en-US" altLang="ko-KR" sz="1400" dirty="0"/>
+              <a:t>p</a:t>
+            </a:r>
+            <a:r>
+              <a:rPr lang="en-US" altLang="ko-KR" sz="1400" dirty="0" smtClean="0"/>
+              <a:t>hoto(… </a:t>
+            </a:r>
+            <a:r>
+              <a:rPr lang="en-US" altLang="ko-KR" sz="1400" dirty="0" err="1" smtClean="0"/>
+              <a:t>userId</a:t>
+            </a:r>
+            <a:r>
+              <a:rPr lang="en-US" altLang="ko-KR" sz="1400" dirty="0" smtClean="0"/>
+              <a:t>)</a:t>
+            </a:r>
+            <a:endParaRPr lang="en-US" altLang="ko-KR" sz="1400" dirty="0"/>
+          </a:p>
+        </p:txBody>
+      </p:sp>
+      <p:sp>
+        <p:nvSpPr>
+          <p:cNvPr id="80" name="TextBox 79">
+            <a:extLst>
+              <a:ext uri="{FF2B5EF4-FFF2-40B4-BE49-F238E27FC236}">
+                <a16:creationId xmlns:a16="http://schemas.microsoft.com/office/drawing/2014/main" id="{ABBD6795-F75F-4C5F-AB9F-1DC775B44A69}"/>
+              </a:ext>
+            </a:extLst>
+          </p:cNvPr>
+          <p:cNvSpPr txBox="1"/>
+          <p:nvPr/>
+        </p:nvSpPr>
+        <p:spPr>
+          <a:xfrm>
+            <a:off x="7450260" y="4947075"/>
+            <a:ext cx="1531188" cy="646331"/>
+          </a:xfrm>
+          <a:prstGeom prst="rect">
+            <a:avLst/>
+          </a:prstGeom>
+          <a:noFill/>
+        </p:spPr>
+        <p:txBody>
+          <a:bodyPr wrap="none" rtlCol="0">
+            <a:spAutoFit/>
+          </a:bodyPr>
+          <a:lstStyle/>
+          <a:p>
+            <a:r>
+              <a:rPr lang="en-US" altLang="ko-KR" sz="1200" dirty="0" smtClean="0"/>
+              <a:t>SELECT .. </a:t>
+            </a:r>
+          </a:p>
+          <a:p>
+            <a:r>
+              <a:rPr lang="en-US" altLang="ko-KR" sz="1200" dirty="0" smtClean="0"/>
+              <a:t>FROM photo </a:t>
+            </a:r>
+          </a:p>
+          <a:p>
+            <a:r>
+              <a:rPr lang="en-US" altLang="ko-KR" sz="1200" dirty="0" smtClean="0"/>
+              <a:t>WHERE </a:t>
+            </a:r>
+            <a:r>
+              <a:rPr lang="en-US" altLang="ko-KR" sz="1200" dirty="0" err="1" smtClean="0"/>
+              <a:t>user_id</a:t>
+            </a:r>
+            <a:r>
+              <a:rPr lang="en-US" altLang="ko-KR" sz="1200" dirty="0" smtClean="0"/>
+              <a:t> = ?</a:t>
+            </a:r>
+            <a:endParaRPr lang="ko-KR" altLang="en-US" sz="1200" dirty="0"/>
+          </a:p>
+        </p:txBody>
+      </p:sp>
+      <p:sp>
+        <p:nvSpPr>
+          <p:cNvPr id="81" name="TextBox 80">
+            <a:extLst>
+              <a:ext uri="{FF2B5EF4-FFF2-40B4-BE49-F238E27FC236}">
+                <a16:creationId xmlns:a16="http://schemas.microsoft.com/office/drawing/2014/main" id="{ABBD6795-F75F-4C5F-AB9F-1DC775B44A69}"/>
+              </a:ext>
+            </a:extLst>
+          </p:cNvPr>
+          <p:cNvSpPr txBox="1"/>
+          <p:nvPr/>
+        </p:nvSpPr>
+        <p:spPr>
+          <a:xfrm>
+            <a:off x="7409325" y="4366907"/>
+            <a:ext cx="2148152" cy="461665"/>
+          </a:xfrm>
+          <a:prstGeom prst="rect">
+            <a:avLst/>
+          </a:prstGeom>
+          <a:noFill/>
+        </p:spPr>
+        <p:txBody>
+          <a:bodyPr wrap="none" rtlCol="0">
+            <a:spAutoFit/>
+          </a:bodyPr>
+          <a:lstStyle/>
+          <a:p>
+            <a:r>
+              <a:rPr lang="en-US" altLang="ko-KR" sz="1200" dirty="0" smtClean="0"/>
+              <a:t>INSERT INTO photo(..</a:t>
+            </a:r>
+            <a:r>
+              <a:rPr lang="en-US" altLang="ko-KR" sz="1200" dirty="0" err="1" smtClean="0"/>
+              <a:t>userId</a:t>
+            </a:r>
+            <a:r>
+              <a:rPr lang="en-US" altLang="ko-KR" sz="1200" dirty="0" smtClean="0"/>
+              <a:t>)</a:t>
+            </a:r>
+          </a:p>
+          <a:p>
+            <a:r>
+              <a:rPr lang="en-US" altLang="ko-KR" sz="1200" dirty="0" smtClean="0"/>
+              <a:t>VALUES(…, </a:t>
+            </a:r>
+            <a:r>
+              <a:rPr lang="en-US" altLang="ko-KR" sz="1200" dirty="0" err="1" smtClean="0"/>
+              <a:t>userId</a:t>
+            </a:r>
+            <a:r>
+              <a:rPr lang="en-US" altLang="ko-KR" sz="1200" dirty="0" smtClean="0"/>
+              <a:t>)</a:t>
+            </a:r>
+            <a:endParaRPr lang="ko-KR" altLang="en-US" sz="1200" dirty="0"/>
+          </a:p>
+        </p:txBody>
+      </p:sp>
+    </p:spTree>
+    <p:extLst>
+      <p:ext uri="{BB962C8B-B14F-4D97-AF65-F5344CB8AC3E}">
+        <p14:creationId xmlns:p14="http://schemas.microsoft.com/office/powerpoint/2010/main" val="23200624"/>
+      </p:ext>
+    </p:extLst>
+  </p:cSld>
+  <p:clrMapOvr>
+    <a:masterClrMapping/>
+  </p:clrMapOvr>
+</p:sld>
+</file>
+
+<file path=ppt/slides/slide4.xml><?xml version="1.0" encoding="utf-8"?>
 <p:sld xmlns:a="http://schemas.openxmlformats.org/drawingml/2006/main" xmlns:r="http://schemas.openxmlformats.org/officeDocument/2006/relationships" xmlns:p="http://schemas.openxmlformats.org/presentationml/2006/main">
   <p:cSld>
     <p:spTree>
